--- a/Home Credit Default Risk - Endah Rakhmawati.pptx
+++ b/Home Credit Default Risk - Endah Rakhmawati.pptx
@@ -3355,14 +3355,29 @@
               </a:lnSpc>
             </a:pPr>
             <a:r>
-              <a:rPr lang="en-US" sz="3000">
+              <a:rPr lang="en-US" sz="3000" dirty="0">
                 <a:solidFill>
                   <a:srgbClr val="545454"/>
                 </a:solidFill>
                 <a:latin typeface="DM Sans Bold"/>
               </a:rPr>
-              <a:t>Oleh: Endah Rakhmawati</a:t>
+              <a:t>Oleh: Endah </a:t>
             </a:r>
+            <a:r>
+              <a:rPr lang="en-US" sz="3000" dirty="0" err="1">
+                <a:solidFill>
+                  <a:srgbClr val="545454"/>
+                </a:solidFill>
+                <a:latin typeface="DM Sans Bold"/>
+              </a:rPr>
+              <a:t>Rakhmawati</a:t>
+            </a:r>
+            <a:endParaRPr lang="en-US" sz="3000" dirty="0">
+              <a:solidFill>
+                <a:srgbClr val="545454"/>
+              </a:solidFill>
+              <a:latin typeface="DM Sans Bold"/>
+            </a:endParaRPr>
           </a:p>
         </p:txBody>
       </p:sp>
@@ -4907,6 +4922,50 @@
                 <a:latin typeface="DM Sans"/>
               </a:rPr>
               <a:t>3 Juni 2024</a:t>
+            </a:r>
+          </a:p>
+        </p:txBody>
+      </p:sp>
+      <p:sp>
+        <p:nvSpPr>
+          <p:cNvPr id="45" name="TextBox 9">
+            <a:extLst>
+              <a:ext uri="{FF2B5EF4-FFF2-40B4-BE49-F238E27FC236}">
+                <a16:creationId xmlns:a16="http://schemas.microsoft.com/office/drawing/2014/main" id="{2CA992A8-0703-CB5F-A68B-4A54E3134BF4}"/>
+              </a:ext>
+            </a:extLst>
+          </p:cNvPr>
+          <p:cNvSpPr txBox="1"/>
+          <p:nvPr/>
+        </p:nvSpPr>
+        <p:spPr>
+          <a:xfrm>
+            <a:off x="5664612" y="7580749"/>
+            <a:ext cx="6958776" cy="390684"/>
+          </a:xfrm>
+          <a:prstGeom prst="rect">
+            <a:avLst/>
+          </a:prstGeom>
+        </p:spPr>
+        <p:txBody>
+          <a:bodyPr wrap="square" lIns="0" tIns="0" rIns="0" bIns="0" rtlCol="0" anchor="t">
+            <a:spAutoFit/>
+          </a:bodyPr>
+          <a:lstStyle/>
+          <a:p>
+            <a:pPr algn="ctr">
+              <a:lnSpc>
+                <a:spcPts val="3300"/>
+              </a:lnSpc>
+            </a:pPr>
+            <a:r>
+              <a:rPr lang="en-US" sz="2000" dirty="0">
+                <a:solidFill>
+                  <a:srgbClr val="545454"/>
+                </a:solidFill>
+                <a:latin typeface="DM Sans Bold"/>
+              </a:rPr>
+              <a:t>https://github.com/endahrakhma/credit_default_risk</a:t>
             </a:r>
           </a:p>
         </p:txBody>

--- a/Home Credit Default Risk - Endah Rakhmawati.pptx
+++ b/Home Credit Default Risk - Endah Rakhmawati.pptx
@@ -326,7 +326,7 @@
             <a:fld id="{1D8BD707-D9CF-40AE-B4C6-C98DA3205C09}" type="datetimeFigureOut">
               <a:rPr lang="en-US" smtClean="0"/>
               <a:pPr/>
-              <a:t>6/3/2024</a:t>
+              <a:t>6/16/2024</a:t>
             </a:fld>
             <a:endParaRPr lang="en-US"/>
           </a:p>
@@ -491,7 +491,7 @@
             <a:fld id="{1D8BD707-D9CF-40AE-B4C6-C98DA3205C09}" type="datetimeFigureOut">
               <a:rPr lang="en-US" smtClean="0"/>
               <a:pPr/>
-              <a:t>6/3/2024</a:t>
+              <a:t>6/16/2024</a:t>
             </a:fld>
             <a:endParaRPr lang="en-US"/>
           </a:p>
@@ -666,7 +666,7 @@
             <a:fld id="{1D8BD707-D9CF-40AE-B4C6-C98DA3205C09}" type="datetimeFigureOut">
               <a:rPr lang="en-US" smtClean="0"/>
               <a:pPr/>
-              <a:t>6/3/2024</a:t>
+              <a:t>6/16/2024</a:t>
             </a:fld>
             <a:endParaRPr lang="en-US"/>
           </a:p>
@@ -831,7 +831,7 @@
             <a:fld id="{1D8BD707-D9CF-40AE-B4C6-C98DA3205C09}" type="datetimeFigureOut">
               <a:rPr lang="en-US" smtClean="0"/>
               <a:pPr/>
-              <a:t>6/3/2024</a:t>
+              <a:t>6/16/2024</a:t>
             </a:fld>
             <a:endParaRPr lang="en-US"/>
           </a:p>
@@ -1073,7 +1073,7 @@
             <a:fld id="{1D8BD707-D9CF-40AE-B4C6-C98DA3205C09}" type="datetimeFigureOut">
               <a:rPr lang="en-US" smtClean="0"/>
               <a:pPr/>
-              <a:t>6/3/2024</a:t>
+              <a:t>6/16/2024</a:t>
             </a:fld>
             <a:endParaRPr lang="en-US"/>
           </a:p>
@@ -1355,7 +1355,7 @@
             <a:fld id="{1D8BD707-D9CF-40AE-B4C6-C98DA3205C09}" type="datetimeFigureOut">
               <a:rPr lang="en-US" smtClean="0"/>
               <a:pPr/>
-              <a:t>6/3/2024</a:t>
+              <a:t>6/16/2024</a:t>
             </a:fld>
             <a:endParaRPr lang="en-US"/>
           </a:p>
@@ -1771,7 +1771,7 @@
             <a:fld id="{1D8BD707-D9CF-40AE-B4C6-C98DA3205C09}" type="datetimeFigureOut">
               <a:rPr lang="en-US" smtClean="0"/>
               <a:pPr/>
-              <a:t>6/3/2024</a:t>
+              <a:t>6/16/2024</a:t>
             </a:fld>
             <a:endParaRPr lang="en-US"/>
           </a:p>
@@ -1885,7 +1885,7 @@
             <a:fld id="{1D8BD707-D9CF-40AE-B4C6-C98DA3205C09}" type="datetimeFigureOut">
               <a:rPr lang="en-US" smtClean="0"/>
               <a:pPr/>
-              <a:t>6/3/2024</a:t>
+              <a:t>6/16/2024</a:t>
             </a:fld>
             <a:endParaRPr lang="en-US"/>
           </a:p>
@@ -1977,7 +1977,7 @@
             <a:fld id="{1D8BD707-D9CF-40AE-B4C6-C98DA3205C09}" type="datetimeFigureOut">
               <a:rPr lang="en-US" smtClean="0"/>
               <a:pPr/>
-              <a:t>6/3/2024</a:t>
+              <a:t>6/16/2024</a:t>
             </a:fld>
             <a:endParaRPr lang="en-US"/>
           </a:p>
@@ -2249,7 +2249,7 @@
             <a:fld id="{1D8BD707-D9CF-40AE-B4C6-C98DA3205C09}" type="datetimeFigureOut">
               <a:rPr lang="en-US" smtClean="0"/>
               <a:pPr/>
-              <a:t>6/3/2024</a:t>
+              <a:t>6/16/2024</a:t>
             </a:fld>
             <a:endParaRPr lang="en-US"/>
           </a:p>
@@ -2498,7 +2498,7 @@
             <a:fld id="{1D8BD707-D9CF-40AE-B4C6-C98DA3205C09}" type="datetimeFigureOut">
               <a:rPr lang="en-US" smtClean="0"/>
               <a:pPr/>
-              <a:t>6/3/2024</a:t>
+              <a:t>6/16/2024</a:t>
             </a:fld>
             <a:endParaRPr lang="en-US"/>
           </a:p>
@@ -2706,7 +2706,7 @@
             <a:fld id="{1D8BD707-D9CF-40AE-B4C6-C98DA3205C09}" type="datetimeFigureOut">
               <a:rPr lang="en-US" smtClean="0"/>
               <a:pPr/>
-              <a:t>6/3/2024</a:t>
+              <a:t>6/16/2024</a:t>
             </a:fld>
             <a:endParaRPr lang="en-US"/>
           </a:p>
@@ -6073,6 +6073,36 @@
           </p:txBody>
         </p:sp>
       </p:grpSp>
+      <p:pic>
+        <p:nvPicPr>
+          <p:cNvPr id="31" name="Picture 30">
+            <a:extLst>
+              <a:ext uri="{FF2B5EF4-FFF2-40B4-BE49-F238E27FC236}">
+                <a16:creationId xmlns:a16="http://schemas.microsoft.com/office/drawing/2014/main" id="{3A906003-5934-C330-A506-6E7BDE0D2A7E}"/>
+              </a:ext>
+            </a:extLst>
+          </p:cNvPr>
+          <p:cNvPicPr>
+            <a:picLocks noChangeAspect="1"/>
+          </p:cNvPicPr>
+          <p:nvPr/>
+        </p:nvPicPr>
+        <p:blipFill>
+          <a:blip r:embed="rId10"/>
+          <a:stretch>
+            <a:fillRect/>
+          </a:stretch>
+        </p:blipFill>
+        <p:spPr>
+          <a:xfrm>
+            <a:off x="1028700" y="2279968"/>
+            <a:ext cx="16647853" cy="7220448"/>
+          </a:xfrm>
+          <a:prstGeom prst="rect">
+            <a:avLst/>
+          </a:prstGeom>
+        </p:spPr>
+      </p:pic>
       <p:sp>
         <p:nvSpPr>
           <p:cNvPr id="29" name="TextBox 29"/>
@@ -6149,36 +6179,6 @@
           </a:p>
         </p:txBody>
       </p:sp>
-      <p:pic>
-        <p:nvPicPr>
-          <p:cNvPr id="33" name="Picture 32">
-            <a:extLst>
-              <a:ext uri="{FF2B5EF4-FFF2-40B4-BE49-F238E27FC236}">
-                <a16:creationId xmlns:a16="http://schemas.microsoft.com/office/drawing/2014/main" id="{65780EE7-61E8-1AE7-93D6-32D34E25DDFE}"/>
-              </a:ext>
-            </a:extLst>
-          </p:cNvPr>
-          <p:cNvPicPr>
-            <a:picLocks noChangeAspect="1"/>
-          </p:cNvPicPr>
-          <p:nvPr/>
-        </p:nvPicPr>
-        <p:blipFill>
-          <a:blip r:embed="rId10"/>
-          <a:stretch>
-            <a:fillRect/>
-          </a:stretch>
-        </p:blipFill>
-        <p:spPr>
-          <a:xfrm>
-            <a:off x="1024157" y="2297747"/>
-            <a:ext cx="14339630" cy="4737825"/>
-          </a:xfrm>
-          <a:prstGeom prst="rect">
-            <a:avLst/>
-          </a:prstGeom>
-        </p:spPr>
-      </p:pic>
     </p:spTree>
   </p:cSld>
   <p:clrMapOvr>
@@ -7524,7 +7524,7 @@
         <p:grpSpPr>
           <a:xfrm>
             <a:off x="8554050" y="1719035"/>
-            <a:ext cx="8108237" cy="6524130"/>
+            <a:ext cx="8108237" cy="5511138"/>
             <a:chOff x="0" y="0"/>
             <a:chExt cx="2135503" cy="1718289"/>
           </a:xfrm>
@@ -8045,14 +8045,52 @@
       </p:sp>
       <p:sp>
         <p:nvSpPr>
-          <p:cNvPr id="21" name="TextBox 21"/>
+          <p:cNvPr id="22" name="TextBox 22"/>
           <p:cNvSpPr txBox="1"/>
           <p:nvPr/>
         </p:nvSpPr>
         <p:spPr>
           <a:xfrm>
-            <a:off x="8860128" y="4400550"/>
-            <a:ext cx="7802158" cy="1485900"/>
+            <a:off x="2153889" y="2291702"/>
+            <a:ext cx="5702716" cy="409575"/>
+          </a:xfrm>
+          <a:prstGeom prst="rect">
+            <a:avLst/>
+          </a:prstGeom>
+        </p:spPr>
+        <p:txBody>
+          <a:bodyPr lIns="0" tIns="0" rIns="0" bIns="0" rtlCol="0" anchor="t">
+            <a:spAutoFit/>
+          </a:bodyPr>
+          <a:lstStyle/>
+          <a:p>
+            <a:pPr algn="l">
+              <a:lnSpc>
+                <a:spcPts val="3000"/>
+              </a:lnSpc>
+            </a:pPr>
+            <a:r>
+              <a:rPr lang="en-US" sz="3000">
+                <a:solidFill>
+                  <a:srgbClr val="FFFFFF"/>
+                </a:solidFill>
+                <a:latin typeface="Kollektif Bold"/>
+              </a:rPr>
+              <a:t>02 - DATASET EXPLORATORY</a:t>
+            </a:r>
+          </a:p>
+        </p:txBody>
+      </p:sp>
+      <p:sp>
+        <p:nvSpPr>
+          <p:cNvPr id="23" name="TextBox 23"/>
+          <p:cNvSpPr txBox="1"/>
+          <p:nvPr/>
+        </p:nvSpPr>
+        <p:spPr>
+          <a:xfrm>
+            <a:off x="8849024" y="4300414"/>
+            <a:ext cx="7518287" cy="1857375"/>
           </a:xfrm>
           <a:prstGeom prst="rect">
             <a:avLst/>
@@ -8070,72 +8108,443 @@
               </a:lnSpc>
             </a:pPr>
             <a:r>
-              <a:rPr lang="en-US" sz="2499">
+              <a:rPr lang="en-US" sz="2499" dirty="0" err="1">
                 <a:solidFill>
                   <a:srgbClr val="545454"/>
                 </a:solidFill>
                 <a:latin typeface="DM Sans"/>
               </a:rPr>
-              <a:t>Data tersebut juga terdapat fitur “TARGET” yang merupakan identifikasi nasabah yang lancar membayar angsuran adalah bernilai 0 dan nasabah yang mengalami kesulitan bayar adalah bernilai 1.</a:t>
+              <a:t>Sedangkan</a:t>
+            </a:r>
+            <a:r>
+              <a:rPr lang="en-US" sz="2499" dirty="0">
+                <a:solidFill>
+                  <a:srgbClr val="545454"/>
+                </a:solidFill>
+                <a:latin typeface="DM Sans"/>
+              </a:rPr>
+              <a:t> dataset “application_test.csv” </a:t>
+            </a:r>
+            <a:r>
+              <a:rPr lang="en-US" sz="2499" dirty="0" err="1">
+                <a:solidFill>
+                  <a:srgbClr val="545454"/>
+                </a:solidFill>
+                <a:latin typeface="DM Sans"/>
+              </a:rPr>
+              <a:t>adalah</a:t>
+            </a:r>
+            <a:r>
+              <a:rPr lang="en-US" sz="2499" dirty="0">
+                <a:solidFill>
+                  <a:srgbClr val="545454"/>
+                </a:solidFill>
+                <a:latin typeface="DM Sans"/>
+              </a:rPr>
+              <a:t> data test </a:t>
+            </a:r>
+            <a:r>
+              <a:rPr lang="en-US" sz="2499" dirty="0" err="1">
+                <a:solidFill>
+                  <a:srgbClr val="545454"/>
+                </a:solidFill>
+                <a:latin typeface="DM Sans"/>
+              </a:rPr>
+              <a:t>tanpa</a:t>
+            </a:r>
+            <a:r>
+              <a:rPr lang="en-US" sz="2499" dirty="0">
+                <a:solidFill>
+                  <a:srgbClr val="545454"/>
+                </a:solidFill>
+                <a:latin typeface="DM Sans"/>
+              </a:rPr>
+              <a:t> </a:t>
+            </a:r>
+            <a:r>
+              <a:rPr lang="en-US" sz="2499" dirty="0" err="1">
+                <a:solidFill>
+                  <a:srgbClr val="545454"/>
+                </a:solidFill>
+                <a:latin typeface="DM Sans"/>
+              </a:rPr>
+              <a:t>fitur</a:t>
+            </a:r>
+            <a:r>
+              <a:rPr lang="en-US" sz="2499" dirty="0">
+                <a:solidFill>
+                  <a:srgbClr val="545454"/>
+                </a:solidFill>
+                <a:latin typeface="DM Sans"/>
+              </a:rPr>
+              <a:t> “TARGET” yang </a:t>
+            </a:r>
+            <a:r>
+              <a:rPr lang="en-US" sz="2499" dirty="0" err="1">
+                <a:solidFill>
+                  <a:srgbClr val="545454"/>
+                </a:solidFill>
+                <a:latin typeface="DM Sans"/>
+              </a:rPr>
+              <a:t>nantinya</a:t>
+            </a:r>
+            <a:r>
+              <a:rPr lang="en-US" sz="2499" dirty="0">
+                <a:solidFill>
+                  <a:srgbClr val="545454"/>
+                </a:solidFill>
+                <a:latin typeface="DM Sans"/>
+              </a:rPr>
+              <a:t> </a:t>
+            </a:r>
+            <a:r>
+              <a:rPr lang="en-US" sz="2499" dirty="0" err="1">
+                <a:solidFill>
+                  <a:srgbClr val="545454"/>
+                </a:solidFill>
+                <a:latin typeface="DM Sans"/>
+              </a:rPr>
+              <a:t>digunakan</a:t>
+            </a:r>
+            <a:r>
+              <a:rPr lang="en-US" sz="2499" dirty="0">
+                <a:solidFill>
+                  <a:srgbClr val="545454"/>
+                </a:solidFill>
+                <a:latin typeface="DM Sans"/>
+              </a:rPr>
+              <a:t> </a:t>
+            </a:r>
+            <a:r>
+              <a:rPr lang="en-US" sz="2499" dirty="0" err="1">
+                <a:solidFill>
+                  <a:srgbClr val="545454"/>
+                </a:solidFill>
+                <a:latin typeface="DM Sans"/>
+              </a:rPr>
+              <a:t>untuk</a:t>
+            </a:r>
+            <a:r>
+              <a:rPr lang="en-US" sz="2499" dirty="0">
+                <a:solidFill>
+                  <a:srgbClr val="545454"/>
+                </a:solidFill>
+                <a:latin typeface="DM Sans"/>
+              </a:rPr>
+              <a:t> </a:t>
+            </a:r>
+            <a:r>
+              <a:rPr lang="en-US" sz="2499" dirty="0" err="1">
+                <a:solidFill>
+                  <a:srgbClr val="545454"/>
+                </a:solidFill>
+                <a:latin typeface="DM Sans"/>
+              </a:rPr>
+              <a:t>memprediksi</a:t>
+            </a:r>
+            <a:r>
+              <a:rPr lang="en-US" sz="2499" dirty="0">
+                <a:solidFill>
+                  <a:srgbClr val="545454"/>
+                </a:solidFill>
+                <a:latin typeface="DM Sans"/>
+              </a:rPr>
+              <a:t> </a:t>
+            </a:r>
+            <a:r>
+              <a:rPr lang="en-US" sz="2499" dirty="0" err="1">
+                <a:solidFill>
+                  <a:srgbClr val="545454"/>
+                </a:solidFill>
+                <a:latin typeface="DM Sans"/>
+              </a:rPr>
+              <a:t>nasabah</a:t>
+            </a:r>
+            <a:r>
+              <a:rPr lang="en-US" sz="2499" dirty="0">
+                <a:solidFill>
+                  <a:srgbClr val="545454"/>
+                </a:solidFill>
+                <a:latin typeface="DM Sans"/>
+              </a:rPr>
+              <a:t> </a:t>
+            </a:r>
+            <a:r>
+              <a:rPr lang="en-US" sz="2499" dirty="0" err="1">
+                <a:solidFill>
+                  <a:srgbClr val="545454"/>
+                </a:solidFill>
+                <a:latin typeface="DM Sans"/>
+              </a:rPr>
+              <a:t>bernilai</a:t>
+            </a:r>
+            <a:r>
+              <a:rPr lang="en-US" sz="2499" dirty="0">
+                <a:solidFill>
+                  <a:srgbClr val="545454"/>
+                </a:solidFill>
+                <a:latin typeface="DM Sans"/>
+              </a:rPr>
+              <a:t> 0 </a:t>
+            </a:r>
+            <a:r>
+              <a:rPr lang="en-US" sz="2499" dirty="0" err="1">
+                <a:solidFill>
+                  <a:srgbClr val="545454"/>
+                </a:solidFill>
+                <a:latin typeface="DM Sans"/>
+              </a:rPr>
+              <a:t>atau</a:t>
+            </a:r>
+            <a:r>
+              <a:rPr lang="en-US" sz="2499" dirty="0">
+                <a:solidFill>
+                  <a:srgbClr val="545454"/>
+                </a:solidFill>
+                <a:latin typeface="DM Sans"/>
+              </a:rPr>
+              <a:t> 1 </a:t>
+            </a:r>
+            <a:r>
+              <a:rPr lang="en-US" sz="2499" dirty="0" err="1">
+                <a:solidFill>
+                  <a:srgbClr val="545454"/>
+                </a:solidFill>
+                <a:latin typeface="DM Sans"/>
+              </a:rPr>
+              <a:t>melalui</a:t>
+            </a:r>
+            <a:r>
+              <a:rPr lang="en-US" sz="2499" dirty="0">
+                <a:solidFill>
+                  <a:srgbClr val="545454"/>
+                </a:solidFill>
+                <a:latin typeface="DM Sans"/>
+              </a:rPr>
+              <a:t> </a:t>
+            </a:r>
+            <a:r>
+              <a:rPr lang="en-US" sz="2499" dirty="0" err="1">
+                <a:solidFill>
+                  <a:srgbClr val="545454"/>
+                </a:solidFill>
+                <a:latin typeface="DM Sans"/>
+              </a:rPr>
+              <a:t>perhitungan</a:t>
+            </a:r>
+            <a:r>
+              <a:rPr lang="en-US" sz="2499" dirty="0">
+                <a:solidFill>
+                  <a:srgbClr val="545454"/>
+                </a:solidFill>
+                <a:latin typeface="DM Sans"/>
+              </a:rPr>
+              <a:t> model yang </a:t>
+            </a:r>
+            <a:r>
+              <a:rPr lang="en-US" sz="2499" dirty="0" err="1">
+                <a:solidFill>
+                  <a:srgbClr val="545454"/>
+                </a:solidFill>
+                <a:latin typeface="DM Sans"/>
+              </a:rPr>
+              <a:t>sudah</a:t>
+            </a:r>
+            <a:r>
+              <a:rPr lang="en-US" sz="2499" dirty="0">
+                <a:solidFill>
+                  <a:srgbClr val="545454"/>
+                </a:solidFill>
+                <a:latin typeface="DM Sans"/>
+              </a:rPr>
+              <a:t> </a:t>
+            </a:r>
+            <a:r>
+              <a:rPr lang="en-US" sz="2499" dirty="0" err="1">
+                <a:solidFill>
+                  <a:srgbClr val="545454"/>
+                </a:solidFill>
+                <a:latin typeface="DM Sans"/>
+              </a:rPr>
+              <a:t>dibuat</a:t>
+            </a:r>
+            <a:r>
+              <a:rPr lang="en-US" sz="2499" dirty="0">
+                <a:solidFill>
+                  <a:srgbClr val="545454"/>
+                </a:solidFill>
+                <a:latin typeface="DM Sans"/>
+              </a:rPr>
+              <a:t>.</a:t>
             </a:r>
           </a:p>
         </p:txBody>
       </p:sp>
-      <p:sp>
-        <p:nvSpPr>
-          <p:cNvPr id="22" name="TextBox 22"/>
+      <p:grpSp>
+        <p:nvGrpSpPr>
+          <p:cNvPr id="24" name="Group 9">
+            <a:extLst>
+              <a:ext uri="{FF2B5EF4-FFF2-40B4-BE49-F238E27FC236}">
+                <a16:creationId xmlns:a16="http://schemas.microsoft.com/office/drawing/2014/main" id="{FEBBEBB9-FF9C-672A-40EF-7D804102479A}"/>
+              </a:ext>
+            </a:extLst>
+          </p:cNvPr>
+          <p:cNvGrpSpPr/>
+          <p:nvPr/>
+        </p:nvGrpSpPr>
+        <p:grpSpPr>
+          <a:xfrm>
+            <a:off x="1544637" y="3238340"/>
+            <a:ext cx="6717296" cy="1787012"/>
+            <a:chOff x="0" y="0"/>
+            <a:chExt cx="2135503" cy="1718289"/>
+          </a:xfrm>
+        </p:grpSpPr>
+        <p:sp>
+          <p:nvSpPr>
+            <p:cNvPr id="25" name="Freeform 10">
+              <a:extLst>
+                <a:ext uri="{FF2B5EF4-FFF2-40B4-BE49-F238E27FC236}">
+                  <a16:creationId xmlns:a16="http://schemas.microsoft.com/office/drawing/2014/main" id="{3241017D-6D9A-EA90-B939-22F178CACCAA}"/>
+                </a:ext>
+              </a:extLst>
+            </p:cNvPr>
+            <p:cNvSpPr/>
+            <p:nvPr/>
+          </p:nvSpPr>
+          <p:spPr>
+            <a:xfrm>
+              <a:off x="0" y="0"/>
+              <a:ext cx="2135503" cy="1718289"/>
+            </a:xfrm>
+            <a:custGeom>
+              <a:avLst/>
+              <a:gdLst/>
+              <a:ahLst/>
+              <a:cxnLst/>
+              <a:rect l="l" t="t" r="r" b="b"/>
+              <a:pathLst>
+                <a:path w="2135503" h="1718289">
+                  <a:moveTo>
+                    <a:pt x="47741" y="0"/>
+                  </a:moveTo>
+                  <a:lnTo>
+                    <a:pt x="2087762" y="0"/>
+                  </a:lnTo>
+                  <a:cubicBezTo>
+                    <a:pt x="2114128" y="0"/>
+                    <a:pt x="2135503" y="21374"/>
+                    <a:pt x="2135503" y="47741"/>
+                  </a:cubicBezTo>
+                  <a:lnTo>
+                    <a:pt x="2135503" y="1670548"/>
+                  </a:lnTo>
+                  <a:cubicBezTo>
+                    <a:pt x="2135503" y="1683210"/>
+                    <a:pt x="2130473" y="1695353"/>
+                    <a:pt x="2121520" y="1704306"/>
+                  </a:cubicBezTo>
+                  <a:cubicBezTo>
+                    <a:pt x="2112566" y="1713259"/>
+                    <a:pt x="2100423" y="1718289"/>
+                    <a:pt x="2087762" y="1718289"/>
+                  </a:cubicBezTo>
+                  <a:lnTo>
+                    <a:pt x="47741" y="1718289"/>
+                  </a:lnTo>
+                  <a:cubicBezTo>
+                    <a:pt x="35079" y="1718289"/>
+                    <a:pt x="22936" y="1713259"/>
+                    <a:pt x="13983" y="1704306"/>
+                  </a:cubicBezTo>
+                  <a:cubicBezTo>
+                    <a:pt x="5030" y="1695353"/>
+                    <a:pt x="0" y="1683210"/>
+                    <a:pt x="0" y="1670548"/>
+                  </a:cubicBezTo>
+                  <a:lnTo>
+                    <a:pt x="0" y="47741"/>
+                  </a:lnTo>
+                  <a:cubicBezTo>
+                    <a:pt x="0" y="35079"/>
+                    <a:pt x="5030" y="22936"/>
+                    <a:pt x="13983" y="13983"/>
+                  </a:cubicBezTo>
+                  <a:cubicBezTo>
+                    <a:pt x="22936" y="5030"/>
+                    <a:pt x="35079" y="0"/>
+                    <a:pt x="47741" y="0"/>
+                  </a:cubicBezTo>
+                  <a:close/>
+                </a:path>
+              </a:pathLst>
+            </a:custGeom>
+            <a:solidFill>
+              <a:srgbClr val="48CFAE"/>
+            </a:solidFill>
+          </p:spPr>
+        </p:sp>
+        <p:sp>
+          <p:nvSpPr>
+            <p:cNvPr id="26" name="TextBox 11">
+              <a:extLst>
+                <a:ext uri="{FF2B5EF4-FFF2-40B4-BE49-F238E27FC236}">
+                  <a16:creationId xmlns:a16="http://schemas.microsoft.com/office/drawing/2014/main" id="{213BA10A-73C9-5F7E-0D14-74FB1B8DFFCD}"/>
+                </a:ext>
+              </a:extLst>
+            </p:cNvPr>
+            <p:cNvSpPr txBox="1"/>
+            <p:nvPr/>
+          </p:nvSpPr>
+          <p:spPr>
+            <a:xfrm>
+              <a:off x="0" y="-57150"/>
+              <a:ext cx="2135503" cy="1775439"/>
+            </a:xfrm>
+            <a:prstGeom prst="rect">
+              <a:avLst/>
+            </a:prstGeom>
+          </p:spPr>
+          <p:txBody>
+            <a:bodyPr lIns="50800" tIns="50800" rIns="50800" bIns="50800" rtlCol="0" anchor="ctr"/>
+            <a:lstStyle/>
+            <a:p>
+              <a:pPr algn="ctr">
+                <a:lnSpc>
+                  <a:spcPts val="2659"/>
+                </a:lnSpc>
+                <a:spcBef>
+                  <a:spcPct val="0"/>
+                </a:spcBef>
+              </a:pPr>
+              <a:endParaRPr/>
+            </a:p>
+          </p:txBody>
+        </p:sp>
+      </p:grpSp>
+      <p:sp>
+        <p:nvSpPr>
+          <p:cNvPr id="27" name="TextBox 21">
+            <a:extLst>
+              <a:ext uri="{FF2B5EF4-FFF2-40B4-BE49-F238E27FC236}">
+                <a16:creationId xmlns:a16="http://schemas.microsoft.com/office/drawing/2014/main" id="{75106A95-E5F0-CA8C-E866-2F933BD4F634}"/>
+              </a:ext>
+            </a:extLst>
+          </p:cNvPr>
           <p:cNvSpPr txBox="1"/>
           <p:nvPr/>
         </p:nvSpPr>
         <p:spPr>
           <a:xfrm>
-            <a:off x="2153889" y="2291702"/>
-            <a:ext cx="5702716" cy="409575"/>
+            <a:off x="1752600" y="3386704"/>
+            <a:ext cx="6324599" cy="1543436"/>
           </a:xfrm>
           <a:prstGeom prst="rect">
             <a:avLst/>
           </a:prstGeom>
         </p:spPr>
         <p:txBody>
-          <a:bodyPr lIns="0" tIns="0" rIns="0" bIns="0" rtlCol="0" anchor="t">
-            <a:spAutoFit/>
-          </a:bodyPr>
-          <a:lstStyle/>
-          <a:p>
-            <a:pPr algn="l">
-              <a:lnSpc>
-                <a:spcPts val="3000"/>
-              </a:lnSpc>
-            </a:pPr>
-            <a:r>
-              <a:rPr lang="en-US" sz="3000">
-                <a:solidFill>
-                  <a:srgbClr val="FFFFFF"/>
-                </a:solidFill>
-                <a:latin typeface="Kollektif Bold"/>
-              </a:rPr>
-              <a:t>02 - DATASET EXPLORATORY</a:t>
-            </a:r>
-          </a:p>
-        </p:txBody>
-      </p:sp>
-      <p:sp>
-        <p:nvSpPr>
-          <p:cNvPr id="23" name="TextBox 23"/>
-          <p:cNvSpPr txBox="1"/>
-          <p:nvPr/>
-        </p:nvSpPr>
-        <p:spPr>
-          <a:xfrm>
-            <a:off x="8860128" y="6124575"/>
-            <a:ext cx="7518287" cy="1857375"/>
-          </a:xfrm>
-          <a:prstGeom prst="rect">
-            <a:avLst/>
-          </a:prstGeom>
-        </p:spPr>
-        <p:txBody>
-          <a:bodyPr lIns="0" tIns="0" rIns="0" bIns="0" rtlCol="0" anchor="t">
+          <a:bodyPr wrap="square" lIns="0" tIns="0" rIns="0" bIns="0" rtlCol="0" anchor="t">
             <a:spAutoFit/>
           </a:bodyPr>
           <a:lstStyle/>
@@ -8146,14 +8555,244 @@
               </a:lnSpc>
             </a:pPr>
             <a:r>
-              <a:rPr lang="en-US" sz="2499">
-                <a:solidFill>
-                  <a:srgbClr val="545454"/>
-                </a:solidFill>
-                <a:latin typeface="DM Sans"/>
-              </a:rPr>
-              <a:t>Sedangkan dataset “application_test.csv” adalah data test tanpa fitur “TARGET” yang nantinya digunakan untuk memprediksi nasabah bernilai 0 atau 1 melalui perhitungan model yang sudah dibuat.</a:t>
-            </a:r>
+              <a:rPr lang="en-ID" sz="2400" b="1" dirty="0">
+                <a:solidFill>
+                  <a:schemeClr val="tx1">
+                    <a:lumMod val="65000"/>
+                    <a:lumOff val="35000"/>
+                  </a:schemeClr>
+                </a:solidFill>
+                <a:latin typeface="DM Sans" pitchFamily="2" charset="0"/>
+              </a:rPr>
+              <a:t>Supervised : </a:t>
+            </a:r>
+            <a:r>
+              <a:rPr lang="id-ID" sz="2400" dirty="0">
+                <a:solidFill>
+                  <a:schemeClr val="tx1">
+                    <a:lumMod val="65000"/>
+                    <a:lumOff val="35000"/>
+                  </a:schemeClr>
+                </a:solidFill>
+                <a:latin typeface="DM Sans" pitchFamily="2" charset="0"/>
+              </a:rPr>
+              <a:t>Label disertakan dalam data pelatihan dan tujuannya adalah melatih model agar belajar memprediksi label dari fitur</a:t>
+            </a:r>
+            <a:endParaRPr lang="en-US" sz="2400" dirty="0">
+              <a:solidFill>
+                <a:schemeClr val="tx1">
+                  <a:lumMod val="65000"/>
+                  <a:lumOff val="35000"/>
+                </a:schemeClr>
+              </a:solidFill>
+              <a:latin typeface="DM Sans" pitchFamily="2" charset="0"/>
+            </a:endParaRPr>
+          </a:p>
+        </p:txBody>
+      </p:sp>
+      <p:grpSp>
+        <p:nvGrpSpPr>
+          <p:cNvPr id="28" name="Group 9">
+            <a:extLst>
+              <a:ext uri="{FF2B5EF4-FFF2-40B4-BE49-F238E27FC236}">
+                <a16:creationId xmlns:a16="http://schemas.microsoft.com/office/drawing/2014/main" id="{21C1CE23-2E39-73B6-6B1B-7D463C4E84A2}"/>
+              </a:ext>
+            </a:extLst>
+          </p:cNvPr>
+          <p:cNvGrpSpPr/>
+          <p:nvPr/>
+        </p:nvGrpSpPr>
+        <p:grpSpPr>
+          <a:xfrm>
+            <a:off x="1544637" y="5325013"/>
+            <a:ext cx="6717296" cy="1905160"/>
+            <a:chOff x="0" y="0"/>
+            <a:chExt cx="2135503" cy="1718289"/>
+          </a:xfrm>
+        </p:grpSpPr>
+        <p:sp>
+          <p:nvSpPr>
+            <p:cNvPr id="29" name="Freeform 10">
+              <a:extLst>
+                <a:ext uri="{FF2B5EF4-FFF2-40B4-BE49-F238E27FC236}">
+                  <a16:creationId xmlns:a16="http://schemas.microsoft.com/office/drawing/2014/main" id="{41D1F9C3-1B7C-5D0A-7021-8E3D68416BF9}"/>
+                </a:ext>
+              </a:extLst>
+            </p:cNvPr>
+            <p:cNvSpPr/>
+            <p:nvPr/>
+          </p:nvSpPr>
+          <p:spPr>
+            <a:xfrm>
+              <a:off x="0" y="0"/>
+              <a:ext cx="2135503" cy="1718289"/>
+            </a:xfrm>
+            <a:custGeom>
+              <a:avLst/>
+              <a:gdLst/>
+              <a:ahLst/>
+              <a:cxnLst/>
+              <a:rect l="l" t="t" r="r" b="b"/>
+              <a:pathLst>
+                <a:path w="2135503" h="1718289">
+                  <a:moveTo>
+                    <a:pt x="47741" y="0"/>
+                  </a:moveTo>
+                  <a:lnTo>
+                    <a:pt x="2087762" y="0"/>
+                  </a:lnTo>
+                  <a:cubicBezTo>
+                    <a:pt x="2114128" y="0"/>
+                    <a:pt x="2135503" y="21374"/>
+                    <a:pt x="2135503" y="47741"/>
+                  </a:cubicBezTo>
+                  <a:lnTo>
+                    <a:pt x="2135503" y="1670548"/>
+                  </a:lnTo>
+                  <a:cubicBezTo>
+                    <a:pt x="2135503" y="1683210"/>
+                    <a:pt x="2130473" y="1695353"/>
+                    <a:pt x="2121520" y="1704306"/>
+                  </a:cubicBezTo>
+                  <a:cubicBezTo>
+                    <a:pt x="2112566" y="1713259"/>
+                    <a:pt x="2100423" y="1718289"/>
+                    <a:pt x="2087762" y="1718289"/>
+                  </a:cubicBezTo>
+                  <a:lnTo>
+                    <a:pt x="47741" y="1718289"/>
+                  </a:lnTo>
+                  <a:cubicBezTo>
+                    <a:pt x="35079" y="1718289"/>
+                    <a:pt x="22936" y="1713259"/>
+                    <a:pt x="13983" y="1704306"/>
+                  </a:cubicBezTo>
+                  <a:cubicBezTo>
+                    <a:pt x="5030" y="1695353"/>
+                    <a:pt x="0" y="1683210"/>
+                    <a:pt x="0" y="1670548"/>
+                  </a:cubicBezTo>
+                  <a:lnTo>
+                    <a:pt x="0" y="47741"/>
+                  </a:lnTo>
+                  <a:cubicBezTo>
+                    <a:pt x="0" y="35079"/>
+                    <a:pt x="5030" y="22936"/>
+                    <a:pt x="13983" y="13983"/>
+                  </a:cubicBezTo>
+                  <a:cubicBezTo>
+                    <a:pt x="22936" y="5030"/>
+                    <a:pt x="35079" y="0"/>
+                    <a:pt x="47741" y="0"/>
+                  </a:cubicBezTo>
+                  <a:close/>
+                </a:path>
+              </a:pathLst>
+            </a:custGeom>
+            <a:solidFill>
+              <a:srgbClr val="48CFAE"/>
+            </a:solidFill>
+          </p:spPr>
+        </p:sp>
+        <p:sp>
+          <p:nvSpPr>
+            <p:cNvPr id="30" name="TextBox 11">
+              <a:extLst>
+                <a:ext uri="{FF2B5EF4-FFF2-40B4-BE49-F238E27FC236}">
+                  <a16:creationId xmlns:a16="http://schemas.microsoft.com/office/drawing/2014/main" id="{FDB9A35A-FA9D-8542-31B6-3E2EDEC941FB}"/>
+                </a:ext>
+              </a:extLst>
+            </p:cNvPr>
+            <p:cNvSpPr txBox="1"/>
+            <p:nvPr/>
+          </p:nvSpPr>
+          <p:spPr>
+            <a:xfrm>
+              <a:off x="0" y="-57150"/>
+              <a:ext cx="2135503" cy="1775439"/>
+            </a:xfrm>
+            <a:prstGeom prst="rect">
+              <a:avLst/>
+            </a:prstGeom>
+          </p:spPr>
+          <p:txBody>
+            <a:bodyPr lIns="50800" tIns="50800" rIns="50800" bIns="50800" rtlCol="0" anchor="ctr"/>
+            <a:lstStyle/>
+            <a:p>
+              <a:pPr algn="ctr">
+                <a:lnSpc>
+                  <a:spcPts val="2659"/>
+                </a:lnSpc>
+                <a:spcBef>
+                  <a:spcPct val="0"/>
+                </a:spcBef>
+              </a:pPr>
+              <a:endParaRPr/>
+            </a:p>
+          </p:txBody>
+        </p:sp>
+      </p:grpSp>
+      <p:sp>
+        <p:nvSpPr>
+          <p:cNvPr id="32" name="TextBox 31">
+            <a:extLst>
+              <a:ext uri="{FF2B5EF4-FFF2-40B4-BE49-F238E27FC236}">
+                <a16:creationId xmlns:a16="http://schemas.microsoft.com/office/drawing/2014/main" id="{4A3B8197-0475-7FED-E539-A6C973CE4368}"/>
+              </a:ext>
+            </a:extLst>
+          </p:cNvPr>
+          <p:cNvSpPr txBox="1"/>
+          <p:nvPr/>
+        </p:nvSpPr>
+        <p:spPr>
+          <a:xfrm>
+            <a:off x="1752600" y="5514430"/>
+            <a:ext cx="6324601" cy="1569660"/>
+          </a:xfrm>
+          <a:prstGeom prst="rect">
+            <a:avLst/>
+          </a:prstGeom>
+          <a:noFill/>
+        </p:spPr>
+        <p:txBody>
+          <a:bodyPr wrap="square">
+            <a:spAutoFit/>
+          </a:bodyPr>
+          <a:lstStyle/>
+          <a:p>
+            <a:r>
+              <a:rPr lang="en-ID" sz="2400" b="1" dirty="0">
+                <a:solidFill>
+                  <a:schemeClr val="tx1">
+                    <a:lumMod val="65000"/>
+                    <a:lumOff val="35000"/>
+                  </a:schemeClr>
+                </a:solidFill>
+                <a:latin typeface="DM Sans" pitchFamily="2" charset="0"/>
+              </a:rPr>
+              <a:t>Classification : </a:t>
+            </a:r>
+            <a:r>
+              <a:rPr lang="id-ID" sz="2400" dirty="0">
+                <a:solidFill>
+                  <a:schemeClr val="tx1">
+                    <a:lumMod val="65000"/>
+                    <a:lumOff val="35000"/>
+                  </a:schemeClr>
+                </a:solidFill>
+                <a:latin typeface="DM Sans" pitchFamily="2" charset="0"/>
+              </a:rPr>
+              <a:t>Labelnya adalah variabel biner, 0 (akan melunasi pinjaman tepat waktu), 1 (akan kesulitan membayar kembali pinjaman)</a:t>
+            </a:r>
+            <a:endParaRPr lang="en-ID" sz="2400" dirty="0">
+              <a:solidFill>
+                <a:schemeClr val="tx1">
+                  <a:lumMod val="65000"/>
+                  <a:lumOff val="35000"/>
+                </a:schemeClr>
+              </a:solidFill>
+              <a:latin typeface="DM Sans" pitchFamily="2" charset="0"/>
+            </a:endParaRPr>
           </a:p>
         </p:txBody>
       </p:sp>
@@ -8190,8 +8829,8 @@
         </p:nvSpPr>
         <p:spPr>
           <a:xfrm flipV="1">
-            <a:off x="2453107" y="5329150"/>
-            <a:ext cx="710798" cy="524720"/>
+            <a:off x="2453106" y="4637053"/>
+            <a:ext cx="1325677" cy="1216817"/>
           </a:xfrm>
           <a:prstGeom prst="line">
             <a:avLst/>
@@ -8214,8 +8853,8 @@
         </p:nvSpPr>
         <p:spPr>
           <a:xfrm flipV="1">
-            <a:off x="7504811" y="5284477"/>
-            <a:ext cx="714375" cy="841554"/>
+            <a:off x="8137115" y="5185576"/>
+            <a:ext cx="1425483" cy="1018676"/>
           </a:xfrm>
           <a:prstGeom prst="line">
             <a:avLst/>
@@ -8232,14 +8871,14 @@
       </p:sp>
       <p:sp>
         <p:nvSpPr>
-          <p:cNvPr id="4" name="AutoShape 4"/>
+          <p:cNvPr id="5" name="AutoShape 5"/>
           <p:cNvSpPr/>
           <p:nvPr/>
         </p:nvSpPr>
         <p:spPr>
-          <a:xfrm flipV="1">
-            <a:off x="15217701" y="5453574"/>
-            <a:ext cx="636505" cy="819149"/>
+          <a:xfrm flipH="1" flipV="1">
+            <a:off x="5240932" y="4544032"/>
+            <a:ext cx="1119681" cy="1750323"/>
           </a:xfrm>
           <a:prstGeom prst="line">
             <a:avLst/>
@@ -8256,14 +8895,14 @@
       </p:sp>
       <p:sp>
         <p:nvSpPr>
-          <p:cNvPr id="5" name="AutoShape 5"/>
+          <p:cNvPr id="6" name="AutoShape 6"/>
           <p:cNvSpPr/>
           <p:nvPr/>
         </p:nvSpPr>
         <p:spPr>
           <a:xfrm flipH="1" flipV="1">
-            <a:off x="4914112" y="5329150"/>
-            <a:ext cx="762000" cy="796881"/>
+            <a:off x="14787502" y="4483899"/>
+            <a:ext cx="1099529" cy="898468"/>
           </a:xfrm>
           <a:prstGeom prst="line">
             <a:avLst/>
@@ -8278,30 +8917,6 @@
           </a:ln>
         </p:spPr>
       </p:sp>
-      <p:sp>
-        <p:nvSpPr>
-          <p:cNvPr id="6" name="AutoShape 6"/>
-          <p:cNvSpPr/>
-          <p:nvPr/>
-        </p:nvSpPr>
-        <p:spPr>
-          <a:xfrm flipH="1" flipV="1">
-            <a:off x="12589737" y="5016609"/>
-            <a:ext cx="780134" cy="1256114"/>
-          </a:xfrm>
-          <a:prstGeom prst="line">
-            <a:avLst/>
-          </a:prstGeom>
-          <a:ln w="38100" cap="flat">
-            <a:solidFill>
-              <a:srgbClr val="A6A6A6"/>
-            </a:solidFill>
-            <a:prstDash val="solid"/>
-            <a:headEnd type="none" w="sm" len="sm"/>
-            <a:tailEnd type="none" w="sm" len="sm"/>
-          </a:ln>
-        </p:spPr>
-      </p:sp>
       <p:grpSp>
         <p:nvGrpSpPr>
           <p:cNvPr id="7" name="Group 7"/>
@@ -8310,7 +8925,7 @@
         </p:nvGrpSpPr>
         <p:grpSpPr>
           <a:xfrm>
-            <a:off x="619204" y="4924566"/>
+            <a:off x="680514" y="4540675"/>
             <a:ext cx="1833903" cy="1858607"/>
             <a:chOff x="0" y="0"/>
             <a:chExt cx="812800" cy="823749"/>
@@ -8404,8 +9019,8 @@
         </p:nvGrpSpPr>
         <p:grpSpPr>
           <a:xfrm>
-            <a:off x="3163905" y="4454047"/>
-            <a:ext cx="1750206" cy="1750206"/>
+            <a:off x="3403435" y="3111196"/>
+            <a:ext cx="2081446" cy="2081446"/>
             <a:chOff x="0" y="0"/>
             <a:chExt cx="812800" cy="812800"/>
           </a:xfrm>
@@ -8498,7 +9113,7 @@
         </p:nvGrpSpPr>
         <p:grpSpPr>
           <a:xfrm>
-            <a:off x="5676112" y="5211682"/>
+            <a:off x="6361205" y="5601924"/>
             <a:ext cx="1828699" cy="1828699"/>
             <a:chOff x="0" y="0"/>
             <a:chExt cx="812800" cy="812800"/>
@@ -8592,8 +9207,8 @@
         </p:nvGrpSpPr>
         <p:grpSpPr>
           <a:xfrm>
-            <a:off x="8219186" y="4418955"/>
-            <a:ext cx="1731044" cy="1731044"/>
+            <a:off x="9275043" y="3752881"/>
+            <a:ext cx="2965412" cy="2917602"/>
             <a:chOff x="0" y="0"/>
             <a:chExt cx="812800" cy="812800"/>
           </a:xfrm>
@@ -8652,100 +9267,6 @@
         <p:sp>
           <p:nvSpPr>
             <p:cNvPr id="18" name="TextBox 18"/>
-            <p:cNvSpPr txBox="1"/>
-            <p:nvPr/>
-          </p:nvSpPr>
-          <p:spPr>
-            <a:xfrm>
-              <a:off x="76200" y="95250"/>
-              <a:ext cx="660400" cy="641350"/>
-            </a:xfrm>
-            <a:prstGeom prst="rect">
-              <a:avLst/>
-            </a:prstGeom>
-          </p:spPr>
-          <p:txBody>
-            <a:bodyPr lIns="50800" tIns="50800" rIns="50800" bIns="50800" rtlCol="0" anchor="ctr"/>
-            <a:lstStyle/>
-            <a:p>
-              <a:pPr algn="ctr">
-                <a:lnSpc>
-                  <a:spcPts val="2553"/>
-                </a:lnSpc>
-              </a:pPr>
-              <a:endParaRPr/>
-            </a:p>
-          </p:txBody>
-        </p:sp>
-      </p:grpSp>
-      <p:grpSp>
-        <p:nvGrpSpPr>
-          <p:cNvPr id="19" name="Group 19"/>
-          <p:cNvGrpSpPr/>
-          <p:nvPr/>
-        </p:nvGrpSpPr>
-        <p:grpSpPr>
-          <a:xfrm>
-            <a:off x="13369870" y="5348807"/>
-            <a:ext cx="1847831" cy="1847831"/>
-            <a:chOff x="0" y="0"/>
-            <a:chExt cx="812800" cy="812800"/>
-          </a:xfrm>
-        </p:grpSpPr>
-        <p:sp>
-          <p:nvSpPr>
-            <p:cNvPr id="20" name="Freeform 20"/>
-            <p:cNvSpPr/>
-            <p:nvPr/>
-          </p:nvSpPr>
-          <p:spPr>
-            <a:xfrm>
-              <a:off x="0" y="0"/>
-              <a:ext cx="812800" cy="812800"/>
-            </a:xfrm>
-            <a:custGeom>
-              <a:avLst/>
-              <a:gdLst/>
-              <a:ahLst/>
-              <a:cxnLst/>
-              <a:rect l="l" t="t" r="r" b="b"/>
-              <a:pathLst>
-                <a:path w="812800" h="812800">
-                  <a:moveTo>
-                    <a:pt x="406400" y="0"/>
-                  </a:moveTo>
-                  <a:cubicBezTo>
-                    <a:pt x="181951" y="0"/>
-                    <a:pt x="0" y="181951"/>
-                    <a:pt x="0" y="406400"/>
-                  </a:cubicBezTo>
-                  <a:cubicBezTo>
-                    <a:pt x="0" y="630849"/>
-                    <a:pt x="181951" y="812800"/>
-                    <a:pt x="406400" y="812800"/>
-                  </a:cubicBezTo>
-                  <a:cubicBezTo>
-                    <a:pt x="630849" y="812800"/>
-                    <a:pt x="812800" y="630849"/>
-                    <a:pt x="812800" y="406400"/>
-                  </a:cubicBezTo>
-                  <a:cubicBezTo>
-                    <a:pt x="812800" y="181951"/>
-                    <a:pt x="630849" y="0"/>
-                    <a:pt x="406400" y="0"/>
-                  </a:cubicBezTo>
-                  <a:close/>
-                </a:path>
-              </a:pathLst>
-            </a:custGeom>
-            <a:solidFill>
-              <a:srgbClr val="48CFAE"/>
-            </a:solidFill>
-          </p:spPr>
-        </p:sp>
-        <p:sp>
-          <p:nvSpPr>
-            <p:cNvPr id="21" name="TextBox 21"/>
             <p:cNvSpPr txBox="1"/>
             <p:nvPr/>
           </p:nvSpPr>
@@ -9129,52 +9650,315 @@
       </p:sp>
       <p:sp>
         <p:nvSpPr>
-          <p:cNvPr id="34" name="TextBox 34"/>
+          <p:cNvPr id="35" name="TextBox 35"/>
           <p:cNvSpPr txBox="1"/>
           <p:nvPr/>
         </p:nvSpPr>
         <p:spPr>
           <a:xfrm>
-            <a:off x="514994" y="6863237"/>
-            <a:ext cx="2042322" cy="365760"/>
+            <a:off x="3516751" y="3802275"/>
+            <a:ext cx="1904357" cy="791435"/>
           </a:xfrm>
           <a:prstGeom prst="rect">
             <a:avLst/>
           </a:prstGeom>
         </p:spPr>
         <p:txBody>
-          <a:bodyPr lIns="0" tIns="0" rIns="0" bIns="0" rtlCol="0" anchor="t">
+          <a:bodyPr wrap="square" lIns="0" tIns="0" rIns="0" bIns="0" rtlCol="0" anchor="t">
             <a:spAutoFit/>
           </a:bodyPr>
           <a:lstStyle/>
           <a:p>
             <a:pPr algn="ctr">
               <a:lnSpc>
-                <a:spcPts val="2940"/>
+                <a:spcPts val="3200"/>
               </a:lnSpc>
             </a:pPr>
             <a:r>
-              <a:rPr lang="en-US" sz="2100" spc="67">
-                <a:solidFill>
-                  <a:srgbClr val="545454"/>
+              <a:rPr lang="en-US" sz="2000" spc="242" dirty="0">
+                <a:solidFill>
+                  <a:srgbClr val="FFFFFF"/>
                 </a:solidFill>
                 <a:latin typeface="DM Sans Bold"/>
               </a:rPr>
-              <a:t>Imputasi</a:t>
+              <a:t>VISUALISASI INSIGHT</a:t>
             </a:r>
           </a:p>
         </p:txBody>
       </p:sp>
       <p:sp>
         <p:nvSpPr>
-          <p:cNvPr id="35" name="TextBox 35"/>
+          <p:cNvPr id="36" name="TextBox 36"/>
           <p:cNvSpPr txBox="1"/>
           <p:nvPr/>
         </p:nvSpPr>
         <p:spPr>
           <a:xfrm>
-            <a:off x="823952" y="5280134"/>
-            <a:ext cx="1424407" cy="1184275"/>
+            <a:off x="3279258" y="5308682"/>
+            <a:ext cx="2329799" cy="2769989"/>
+          </a:xfrm>
+          <a:prstGeom prst="rect">
+            <a:avLst/>
+          </a:prstGeom>
+        </p:spPr>
+        <p:txBody>
+          <a:bodyPr wrap="square" lIns="0" tIns="0" rIns="0" bIns="0" rtlCol="0" anchor="t">
+            <a:spAutoFit/>
+          </a:bodyPr>
+          <a:lstStyle/>
+          <a:p>
+            <a:pPr algn="ctr">
+              <a:lnSpc>
+                <a:spcPts val="2400"/>
+              </a:lnSpc>
+            </a:pPr>
+            <a:r>
+              <a:rPr lang="en-US" sz="2000" dirty="0" err="1">
+                <a:solidFill>
+                  <a:srgbClr val="545454"/>
+                </a:solidFill>
+                <a:latin typeface="DM Sans"/>
+              </a:rPr>
+              <a:t>Buat</a:t>
+            </a:r>
+            <a:r>
+              <a:rPr lang="en-US" sz="2000" dirty="0">
+                <a:solidFill>
+                  <a:srgbClr val="545454"/>
+                </a:solidFill>
+                <a:latin typeface="DM Sans"/>
+              </a:rPr>
+              <a:t> </a:t>
+            </a:r>
+            <a:r>
+              <a:rPr lang="en-US" sz="2000" dirty="0" err="1">
+                <a:solidFill>
+                  <a:srgbClr val="545454"/>
+                </a:solidFill>
+                <a:latin typeface="DM Sans"/>
+              </a:rPr>
+              <a:t>grafik</a:t>
+            </a:r>
+            <a:r>
+              <a:rPr lang="en-US" sz="2000" dirty="0">
+                <a:solidFill>
+                  <a:srgbClr val="545454"/>
+                </a:solidFill>
+                <a:latin typeface="DM Sans"/>
+              </a:rPr>
+              <a:t> </a:t>
+            </a:r>
+            <a:r>
+              <a:rPr lang="en-US" sz="2000" dirty="0" err="1">
+                <a:solidFill>
+                  <a:srgbClr val="545454"/>
+                </a:solidFill>
+                <a:latin typeface="DM Sans"/>
+              </a:rPr>
+              <a:t>keterkaitan</a:t>
+            </a:r>
+            <a:r>
+              <a:rPr lang="en-US" sz="2000" dirty="0">
+                <a:solidFill>
+                  <a:srgbClr val="545454"/>
+                </a:solidFill>
+                <a:latin typeface="DM Sans"/>
+              </a:rPr>
+              <a:t> feature </a:t>
+            </a:r>
+            <a:r>
+              <a:rPr lang="en-US" sz="2000" dirty="0" err="1">
+                <a:solidFill>
+                  <a:srgbClr val="545454"/>
+                </a:solidFill>
+                <a:latin typeface="DM Sans"/>
+              </a:rPr>
+              <a:t>terhadap</a:t>
+            </a:r>
+            <a:r>
+              <a:rPr lang="en-US" sz="2000" dirty="0">
+                <a:solidFill>
+                  <a:srgbClr val="545454"/>
+                </a:solidFill>
+                <a:latin typeface="DM Sans"/>
+              </a:rPr>
+              <a:t> label </a:t>
+            </a:r>
+            <a:r>
+              <a:rPr lang="en-US" sz="2000" dirty="0" err="1">
+                <a:solidFill>
+                  <a:srgbClr val="545454"/>
+                </a:solidFill>
+                <a:latin typeface="DM Sans"/>
+              </a:rPr>
+              <a:t>klasifikasi</a:t>
+            </a:r>
+            <a:r>
+              <a:rPr lang="en-US" sz="2000" dirty="0">
+                <a:solidFill>
+                  <a:srgbClr val="545454"/>
+                </a:solidFill>
+                <a:latin typeface="DM Sans"/>
+              </a:rPr>
+              <a:t>. Adapun </a:t>
+            </a:r>
+            <a:r>
+              <a:rPr lang="en-US" sz="2000" dirty="0" err="1">
+                <a:solidFill>
+                  <a:srgbClr val="545454"/>
+                </a:solidFill>
+                <a:latin typeface="DM Sans"/>
+              </a:rPr>
+              <a:t>membuat</a:t>
+            </a:r>
+            <a:r>
+              <a:rPr lang="en-US" sz="2000" dirty="0">
+                <a:solidFill>
+                  <a:srgbClr val="545454"/>
+                </a:solidFill>
+                <a:latin typeface="DM Sans"/>
+              </a:rPr>
+              <a:t> feature </a:t>
+            </a:r>
+            <a:r>
+              <a:rPr lang="en-US" sz="2000" dirty="0" err="1">
+                <a:solidFill>
+                  <a:srgbClr val="545454"/>
+                </a:solidFill>
+                <a:latin typeface="DM Sans"/>
+              </a:rPr>
+              <a:t>baru</a:t>
+            </a:r>
+            <a:r>
+              <a:rPr lang="en-US" sz="2000" dirty="0">
+                <a:solidFill>
+                  <a:srgbClr val="545454"/>
+                </a:solidFill>
+                <a:latin typeface="DM Sans"/>
+              </a:rPr>
+              <a:t> </a:t>
+            </a:r>
+            <a:r>
+              <a:rPr lang="en-US" sz="2000" dirty="0" err="1">
+                <a:solidFill>
+                  <a:srgbClr val="545454"/>
+                </a:solidFill>
+                <a:latin typeface="DM Sans"/>
+              </a:rPr>
+              <a:t>jika</a:t>
+            </a:r>
+            <a:r>
+              <a:rPr lang="en-US" sz="2000" dirty="0">
+                <a:solidFill>
+                  <a:srgbClr val="545454"/>
+                </a:solidFill>
+                <a:latin typeface="DM Sans"/>
+              </a:rPr>
+              <a:t> </a:t>
+            </a:r>
+            <a:r>
+              <a:rPr lang="en-US" sz="2000" dirty="0" err="1">
+                <a:solidFill>
+                  <a:srgbClr val="545454"/>
+                </a:solidFill>
+                <a:latin typeface="DM Sans"/>
+              </a:rPr>
+              <a:t>ada</a:t>
+            </a:r>
+            <a:r>
+              <a:rPr lang="en-US" sz="2000" dirty="0">
+                <a:solidFill>
+                  <a:srgbClr val="545454"/>
+                </a:solidFill>
+                <a:latin typeface="DM Sans"/>
+              </a:rPr>
+              <a:t> </a:t>
+            </a:r>
+            <a:r>
+              <a:rPr lang="en-US" sz="2000" dirty="0" err="1">
+                <a:solidFill>
+                  <a:srgbClr val="545454"/>
+                </a:solidFill>
+                <a:latin typeface="DM Sans"/>
+              </a:rPr>
+              <a:t>perhitungan</a:t>
+            </a:r>
+            <a:r>
+              <a:rPr lang="en-US" sz="2000" dirty="0">
+                <a:solidFill>
+                  <a:srgbClr val="545454"/>
+                </a:solidFill>
+                <a:latin typeface="DM Sans"/>
+              </a:rPr>
+              <a:t>/</a:t>
+            </a:r>
+            <a:r>
+              <a:rPr lang="en-US" sz="2000" dirty="0" err="1">
+                <a:solidFill>
+                  <a:srgbClr val="545454"/>
+                </a:solidFill>
+                <a:latin typeface="DM Sans"/>
+              </a:rPr>
+              <a:t>agregasi</a:t>
+            </a:r>
+            <a:r>
+              <a:rPr lang="en-US" sz="2000" dirty="0">
+                <a:solidFill>
+                  <a:srgbClr val="545454"/>
+                </a:solidFill>
+                <a:latin typeface="DM Sans"/>
+              </a:rPr>
+              <a:t> </a:t>
+            </a:r>
+            <a:r>
+              <a:rPr lang="en-US" sz="2000" dirty="0" err="1">
+                <a:solidFill>
+                  <a:srgbClr val="545454"/>
+                </a:solidFill>
+                <a:latin typeface="DM Sans"/>
+              </a:rPr>
+              <a:t>dari</a:t>
+            </a:r>
+            <a:r>
+              <a:rPr lang="en-US" sz="2000" dirty="0">
+                <a:solidFill>
+                  <a:srgbClr val="545454"/>
+                </a:solidFill>
+                <a:latin typeface="DM Sans"/>
+              </a:rPr>
+              <a:t> </a:t>
+            </a:r>
+            <a:r>
+              <a:rPr lang="en-US" sz="2000" dirty="0" err="1">
+                <a:solidFill>
+                  <a:srgbClr val="545454"/>
+                </a:solidFill>
+                <a:latin typeface="DM Sans"/>
+              </a:rPr>
+              <a:t>beberapa</a:t>
+            </a:r>
+            <a:r>
+              <a:rPr lang="en-US" sz="2000" dirty="0">
+                <a:solidFill>
+                  <a:srgbClr val="545454"/>
+                </a:solidFill>
+                <a:latin typeface="DM Sans"/>
+              </a:rPr>
+              <a:t> feature.</a:t>
+            </a:r>
+          </a:p>
+        </p:txBody>
+      </p:sp>
+      <p:sp>
+        <p:nvSpPr>
+          <p:cNvPr id="37" name="TextBox 37"/>
+          <p:cNvSpPr txBox="1"/>
+          <p:nvPr/>
+        </p:nvSpPr>
+        <p:spPr>
+          <a:xfrm>
+            <a:off x="6382182" y="6085124"/>
+            <a:ext cx="1733365" cy="784225"/>
           </a:xfrm>
           <a:prstGeom prst="rect">
             <a:avLst/>
@@ -9192,83 +9976,7 @@
               </a:lnSpc>
             </a:pPr>
             <a:r>
-              <a:rPr lang="en-US" sz="2000" spc="242">
-                <a:solidFill>
-                  <a:srgbClr val="FFFFFF"/>
-                </a:solidFill>
-                <a:latin typeface="DM Sans Bold"/>
-              </a:rPr>
-              <a:t>IMPUTASI MISSING VALUES</a:t>
-            </a:r>
-          </a:p>
-        </p:txBody>
-      </p:sp>
-      <p:sp>
-        <p:nvSpPr>
-          <p:cNvPr id="36" name="TextBox 36"/>
-          <p:cNvSpPr txBox="1"/>
-          <p:nvPr/>
-        </p:nvSpPr>
-        <p:spPr>
-          <a:xfrm>
-            <a:off x="222309" y="7285564"/>
-            <a:ext cx="2627693" cy="2752725"/>
-          </a:xfrm>
-          <a:prstGeom prst="rect">
-            <a:avLst/>
-          </a:prstGeom>
-        </p:spPr>
-        <p:txBody>
-          <a:bodyPr lIns="0" tIns="0" rIns="0" bIns="0" rtlCol="0" anchor="t">
-            <a:spAutoFit/>
-          </a:bodyPr>
-          <a:lstStyle/>
-          <a:p>
-            <a:pPr algn="ctr">
-              <a:lnSpc>
-                <a:spcPts val="2400"/>
-              </a:lnSpc>
-            </a:pPr>
-            <a:r>
-              <a:rPr lang="en-US" sz="2000">
-                <a:solidFill>
-                  <a:srgbClr val="545454"/>
-                </a:solidFill>
-                <a:latin typeface="DM Sans"/>
-              </a:rPr>
-              <a:t>Cari missing values di data train dan data test baik tipe numerik maupun kategori. Lalu isi data kosong tersebut dengan nilai mean/median/modus/nilai lain bukan dihapus.</a:t>
-            </a:r>
-          </a:p>
-        </p:txBody>
-      </p:sp>
-      <p:sp>
-        <p:nvSpPr>
-          <p:cNvPr id="37" name="TextBox 37"/>
-          <p:cNvSpPr txBox="1"/>
-          <p:nvPr/>
-        </p:nvSpPr>
-        <p:spPr>
-          <a:xfrm>
-            <a:off x="3158485" y="4930884"/>
-            <a:ext cx="1733365" cy="784225"/>
-          </a:xfrm>
-          <a:prstGeom prst="rect">
-            <a:avLst/>
-          </a:prstGeom>
-        </p:spPr>
-        <p:txBody>
-          <a:bodyPr lIns="0" tIns="0" rIns="0" bIns="0" rtlCol="0" anchor="t">
-            <a:spAutoFit/>
-          </a:bodyPr>
-          <a:lstStyle/>
-          <a:p>
-            <a:pPr algn="ctr">
-              <a:lnSpc>
-                <a:spcPts val="3200"/>
-              </a:lnSpc>
-            </a:pPr>
-            <a:r>
-              <a:rPr lang="en-US" sz="2000" spc="242">
+              <a:rPr lang="en-US" sz="2000" spc="242" dirty="0">
                 <a:solidFill>
                   <a:srgbClr val="FFFFFF"/>
                 </a:solidFill>
@@ -9287,7 +9995,7 @@
         </p:nvGrpSpPr>
         <p:grpSpPr>
           <a:xfrm>
-            <a:off x="10915214" y="4179348"/>
+            <a:off x="13212782" y="3405897"/>
             <a:ext cx="1674522" cy="1674522"/>
             <a:chOff x="0" y="0"/>
             <a:chExt cx="812800" cy="812800"/>
@@ -9381,7 +10089,7 @@
         </p:nvSpPr>
         <p:spPr>
           <a:xfrm>
-            <a:off x="10908986" y="4581634"/>
+            <a:off x="13434624" y="5863850"/>
             <a:ext cx="1686979" cy="784225"/>
           </a:xfrm>
           <a:prstGeom prst="rect">
@@ -9400,7 +10108,7 @@
               </a:lnSpc>
             </a:pPr>
             <a:r>
-              <a:rPr lang="en-US" sz="2000" spc="242">
+              <a:rPr lang="en-US" sz="2000" spc="242" dirty="0">
                 <a:solidFill>
                   <a:srgbClr val="FFFFFF"/>
                 </a:solidFill>
@@ -9419,15 +10127,15 @@
         </p:nvSpPr>
         <p:spPr>
           <a:xfrm>
-            <a:off x="5740693" y="5715024"/>
-            <a:ext cx="1699537" cy="784225"/>
+            <a:off x="9452362" y="4715228"/>
+            <a:ext cx="2610556" cy="791435"/>
           </a:xfrm>
           <a:prstGeom prst="rect">
             <a:avLst/>
           </a:prstGeom>
         </p:spPr>
         <p:txBody>
-          <a:bodyPr lIns="0" tIns="0" rIns="0" bIns="0" rtlCol="0" anchor="t">
+          <a:bodyPr wrap="square" lIns="0" tIns="0" rIns="0" bIns="0" rtlCol="0" anchor="t">
             <a:spAutoFit/>
           </a:bodyPr>
           <a:lstStyle/>
@@ -9438,102 +10146,26 @@
               </a:lnSpc>
             </a:pPr>
             <a:r>
-              <a:rPr lang="en-US" sz="2000" spc="242">
+              <a:rPr lang="en-US" sz="2000" spc="242" dirty="0">
                 <a:solidFill>
                   <a:srgbClr val="FFFFFF"/>
                 </a:solidFill>
                 <a:latin typeface="DM Sans Bold"/>
               </a:rPr>
-              <a:t>ONE HOT ENCODING</a:t>
+              <a:t>PIPELINE PREPROCESSING</a:t>
             </a:r>
           </a:p>
         </p:txBody>
       </p:sp>
       <p:sp>
         <p:nvSpPr>
-          <p:cNvPr id="43" name="TextBox 43"/>
-          <p:cNvSpPr txBox="1"/>
-          <p:nvPr/>
-        </p:nvSpPr>
-        <p:spPr>
-          <a:xfrm>
-            <a:off x="13433385" y="5837748"/>
-            <a:ext cx="1720802" cy="784225"/>
-          </a:xfrm>
-          <a:prstGeom prst="rect">
-            <a:avLst/>
-          </a:prstGeom>
-        </p:spPr>
-        <p:txBody>
-          <a:bodyPr lIns="0" tIns="0" rIns="0" bIns="0" rtlCol="0" anchor="t">
-            <a:spAutoFit/>
-          </a:bodyPr>
-          <a:lstStyle/>
-          <a:p>
-            <a:pPr algn="ctr">
-              <a:lnSpc>
-                <a:spcPts val="3200"/>
-              </a:lnSpc>
-            </a:pPr>
-            <a:r>
-              <a:rPr lang="en-US" sz="2000" spc="242">
-                <a:solidFill>
-                  <a:srgbClr val="FFFFFF"/>
-                </a:solidFill>
-                <a:latin typeface="DM Sans Bold"/>
-              </a:rPr>
-              <a:t>FEATURE SELECTION</a:t>
-            </a:r>
-          </a:p>
-        </p:txBody>
-      </p:sp>
-      <p:sp>
-        <p:nvSpPr>
-          <p:cNvPr id="44" name="TextBox 44"/>
-          <p:cNvSpPr txBox="1"/>
-          <p:nvPr/>
-        </p:nvSpPr>
-        <p:spPr>
-          <a:xfrm>
-            <a:off x="15916874" y="4992556"/>
-            <a:ext cx="1424407" cy="784225"/>
-          </a:xfrm>
-          <a:prstGeom prst="rect">
-            <a:avLst/>
-          </a:prstGeom>
-        </p:spPr>
-        <p:txBody>
-          <a:bodyPr lIns="0" tIns="0" rIns="0" bIns="0" rtlCol="0" anchor="t">
-            <a:spAutoFit/>
-          </a:bodyPr>
-          <a:lstStyle/>
-          <a:p>
-            <a:pPr algn="ctr">
-              <a:lnSpc>
-                <a:spcPts val="3200"/>
-              </a:lnSpc>
-            </a:pPr>
-            <a:r>
-              <a:rPr lang="en-US" sz="2000" spc="242">
-                <a:solidFill>
-                  <a:srgbClr val="FFFFFF"/>
-                </a:solidFill>
-                <a:latin typeface="DM Sans Bold"/>
-              </a:rPr>
-              <a:t>FEATURE SCALING</a:t>
-            </a:r>
-          </a:p>
-        </p:txBody>
-      </p:sp>
-      <p:sp>
-        <p:nvSpPr>
           <p:cNvPr id="45" name="TextBox 45"/>
           <p:cNvSpPr txBox="1"/>
           <p:nvPr/>
         </p:nvSpPr>
         <p:spPr>
           <a:xfrm>
-            <a:off x="3017847" y="1021396"/>
+            <a:off x="6226116" y="2242500"/>
             <a:ext cx="2042322" cy="365760"/>
           </a:xfrm>
           <a:prstGeom prst="rect">
@@ -9552,7 +10184,7 @@
               </a:lnSpc>
             </a:pPr>
             <a:r>
-              <a:rPr lang="en-US" sz="2100" spc="67">
+              <a:rPr lang="en-US" sz="2100" spc="67" dirty="0">
                 <a:solidFill>
                   <a:srgbClr val="545454"/>
                 </a:solidFill>
@@ -9571,8 +10203,8 @@
         </p:nvSpPr>
         <p:spPr>
           <a:xfrm>
-            <a:off x="2690660" y="1514579"/>
-            <a:ext cx="2669015" cy="2752725"/>
+            <a:off x="5912770" y="2766925"/>
+            <a:ext cx="2669015" cy="2769989"/>
           </a:xfrm>
           <a:prstGeom prst="rect">
             <a:avLst/>
@@ -9590,26 +10222,325 @@
               </a:lnSpc>
             </a:pPr>
             <a:r>
-              <a:rPr lang="en-US" sz="2000">
+              <a:rPr lang="en-US" sz="2000" dirty="0">
                 <a:solidFill>
                   <a:srgbClr val="545454"/>
                 </a:solidFill>
                 <a:latin typeface="DM Sans"/>
               </a:rPr>
-              <a:t>Cari nilai outlier pada tipe data numerik dalam data train pada setiap feature. Lalu lakukan metode capping batas atas/bawah dengan IQR. Cek dengan visualisaisi boxplot.</a:t>
+              <a:t>Cari </a:t>
+            </a:r>
+            <a:r>
+              <a:rPr lang="en-US" sz="2000" dirty="0" err="1">
+                <a:solidFill>
+                  <a:srgbClr val="545454"/>
+                </a:solidFill>
+                <a:latin typeface="DM Sans"/>
+              </a:rPr>
+              <a:t>dist</a:t>
+            </a:r>
+            <a:r>
+              <a:rPr lang="en-US" sz="2000" dirty="0">
+                <a:solidFill>
+                  <a:srgbClr val="545454"/>
+                </a:solidFill>
+                <a:latin typeface="DM Sans"/>
+              </a:rPr>
+              <a:t> normal/skewed pada </a:t>
+            </a:r>
+            <a:r>
+              <a:rPr lang="en-US" sz="2000" dirty="0" err="1">
+                <a:solidFill>
+                  <a:srgbClr val="545454"/>
+                </a:solidFill>
+                <a:latin typeface="DM Sans"/>
+              </a:rPr>
+              <a:t>tipe</a:t>
+            </a:r>
+            <a:r>
+              <a:rPr lang="en-US" sz="2000" dirty="0">
+                <a:solidFill>
+                  <a:srgbClr val="545454"/>
+                </a:solidFill>
+                <a:latin typeface="DM Sans"/>
+              </a:rPr>
+              <a:t> data </a:t>
+            </a:r>
+            <a:r>
+              <a:rPr lang="en-US" sz="2000" dirty="0" err="1">
+                <a:solidFill>
+                  <a:srgbClr val="545454"/>
+                </a:solidFill>
+                <a:latin typeface="DM Sans"/>
+              </a:rPr>
+              <a:t>numerik</a:t>
+            </a:r>
+            <a:r>
+              <a:rPr lang="en-US" sz="2000" dirty="0">
+                <a:solidFill>
+                  <a:srgbClr val="545454"/>
+                </a:solidFill>
+                <a:latin typeface="DM Sans"/>
+              </a:rPr>
+              <a:t> data train </a:t>
+            </a:r>
+            <a:r>
+              <a:rPr lang="en-US" sz="2000" dirty="0" err="1">
+                <a:solidFill>
+                  <a:srgbClr val="545454"/>
+                </a:solidFill>
+                <a:latin typeface="DM Sans"/>
+              </a:rPr>
+              <a:t>setiap</a:t>
+            </a:r>
+            <a:r>
+              <a:rPr lang="en-US" sz="2000" dirty="0">
+                <a:solidFill>
+                  <a:srgbClr val="545454"/>
+                </a:solidFill>
+                <a:latin typeface="DM Sans"/>
+              </a:rPr>
+              <a:t> feature. Lalu </a:t>
+            </a:r>
+            <a:r>
+              <a:rPr lang="en-US" sz="2000" dirty="0" err="1">
+                <a:solidFill>
+                  <a:srgbClr val="545454"/>
+                </a:solidFill>
+                <a:latin typeface="DM Sans"/>
+              </a:rPr>
+              <a:t>lakukan</a:t>
+            </a:r>
+            <a:r>
+              <a:rPr lang="en-US" sz="2000" dirty="0">
+                <a:solidFill>
+                  <a:srgbClr val="545454"/>
+                </a:solidFill>
+                <a:latin typeface="DM Sans"/>
+              </a:rPr>
+              <a:t> </a:t>
+            </a:r>
+            <a:r>
+              <a:rPr lang="en-US" sz="2000" dirty="0" err="1">
+                <a:solidFill>
+                  <a:srgbClr val="545454"/>
+                </a:solidFill>
+                <a:latin typeface="DM Sans"/>
+              </a:rPr>
+              <a:t>metode</a:t>
+            </a:r>
+            <a:r>
+              <a:rPr lang="en-US" sz="2000" dirty="0">
+                <a:solidFill>
+                  <a:srgbClr val="545454"/>
+                </a:solidFill>
+                <a:latin typeface="DM Sans"/>
+              </a:rPr>
+              <a:t> capping batas </a:t>
+            </a:r>
+            <a:r>
+              <a:rPr lang="en-US" sz="2000" dirty="0" err="1">
+                <a:solidFill>
+                  <a:srgbClr val="545454"/>
+                </a:solidFill>
+                <a:latin typeface="DM Sans"/>
+              </a:rPr>
+              <a:t>atas</a:t>
+            </a:r>
+            <a:r>
+              <a:rPr lang="en-US" sz="2000" dirty="0">
+                <a:solidFill>
+                  <a:srgbClr val="545454"/>
+                </a:solidFill>
+                <a:latin typeface="DM Sans"/>
+              </a:rPr>
+              <a:t>/</a:t>
+            </a:r>
+            <a:r>
+              <a:rPr lang="en-US" sz="2000" dirty="0" err="1">
+                <a:solidFill>
+                  <a:srgbClr val="545454"/>
+                </a:solidFill>
+                <a:latin typeface="DM Sans"/>
+              </a:rPr>
+              <a:t>bawah</a:t>
+            </a:r>
+            <a:r>
+              <a:rPr lang="en-US" sz="2000" dirty="0">
+                <a:solidFill>
+                  <a:srgbClr val="545454"/>
+                </a:solidFill>
+                <a:latin typeface="DM Sans"/>
+              </a:rPr>
+              <a:t> </a:t>
+            </a:r>
+            <a:r>
+              <a:rPr lang="en-US" sz="2000" dirty="0" err="1">
+                <a:solidFill>
+                  <a:srgbClr val="545454"/>
+                </a:solidFill>
+                <a:latin typeface="DM Sans"/>
+              </a:rPr>
+              <a:t>dengan</a:t>
+            </a:r>
+            <a:r>
+              <a:rPr lang="en-US" sz="2000" dirty="0">
+                <a:solidFill>
+                  <a:srgbClr val="545454"/>
+                </a:solidFill>
+                <a:latin typeface="DM Sans"/>
+              </a:rPr>
+              <a:t> IQR. Cek </a:t>
+            </a:r>
+            <a:r>
+              <a:rPr lang="en-US" sz="2000" dirty="0" err="1">
+                <a:solidFill>
+                  <a:srgbClr val="545454"/>
+                </a:solidFill>
+                <a:latin typeface="DM Sans"/>
+              </a:rPr>
+              <a:t>dengan</a:t>
+            </a:r>
+            <a:r>
+              <a:rPr lang="en-US" sz="2000" dirty="0">
+                <a:solidFill>
+                  <a:srgbClr val="545454"/>
+                </a:solidFill>
+                <a:latin typeface="DM Sans"/>
+              </a:rPr>
+              <a:t> </a:t>
+            </a:r>
+            <a:r>
+              <a:rPr lang="en-US" sz="2000" dirty="0" err="1">
+                <a:solidFill>
+                  <a:srgbClr val="545454"/>
+                </a:solidFill>
+                <a:latin typeface="DM Sans"/>
+              </a:rPr>
+              <a:t>visualisaisi</a:t>
+            </a:r>
+            <a:r>
+              <a:rPr lang="en-US" sz="2000" dirty="0">
+                <a:solidFill>
+                  <a:srgbClr val="545454"/>
+                </a:solidFill>
+                <a:latin typeface="DM Sans"/>
+              </a:rPr>
+              <a:t> boxplot.</a:t>
             </a:r>
           </a:p>
         </p:txBody>
       </p:sp>
       <p:sp>
         <p:nvSpPr>
-          <p:cNvPr id="47" name="TextBox 47"/>
+          <p:cNvPr id="50" name="TextBox 50"/>
           <p:cNvSpPr txBox="1"/>
           <p:nvPr/>
         </p:nvSpPr>
         <p:spPr>
           <a:xfrm>
-            <a:off x="5569300" y="7149013"/>
+            <a:off x="12937579" y="5245461"/>
+            <a:ext cx="2275863" cy="2154436"/>
+          </a:xfrm>
+          <a:prstGeom prst="rect">
+            <a:avLst/>
+          </a:prstGeom>
+        </p:spPr>
+        <p:txBody>
+          <a:bodyPr wrap="square" lIns="0" tIns="0" rIns="0" bIns="0" rtlCol="0" anchor="t">
+            <a:spAutoFit/>
+          </a:bodyPr>
+          <a:lstStyle/>
+          <a:p>
+            <a:pPr algn="ctr">
+              <a:lnSpc>
+                <a:spcPts val="2400"/>
+              </a:lnSpc>
+            </a:pPr>
+            <a:r>
+              <a:rPr lang="en-US" sz="2000" dirty="0" err="1">
+                <a:solidFill>
+                  <a:srgbClr val="545454"/>
+                </a:solidFill>
+                <a:latin typeface="DM Sans"/>
+              </a:rPr>
+              <a:t>Deklarasikan</a:t>
+            </a:r>
+            <a:r>
+              <a:rPr lang="en-US" sz="2000" dirty="0">
+                <a:solidFill>
+                  <a:srgbClr val="545454"/>
+                </a:solidFill>
+                <a:latin typeface="DM Sans"/>
+              </a:rPr>
+              <a:t> variable X dan y pada data train </a:t>
+            </a:r>
+            <a:r>
+              <a:rPr lang="en-US" sz="2000" dirty="0" err="1">
+                <a:solidFill>
+                  <a:srgbClr val="545454"/>
+                </a:solidFill>
+                <a:latin typeface="DM Sans"/>
+              </a:rPr>
+              <a:t>lalu</a:t>
+            </a:r>
+            <a:r>
+              <a:rPr lang="en-US" sz="2000" dirty="0">
+                <a:solidFill>
+                  <a:srgbClr val="545454"/>
+                </a:solidFill>
+                <a:latin typeface="DM Sans"/>
+              </a:rPr>
+              <a:t> </a:t>
+            </a:r>
+            <a:r>
+              <a:rPr lang="en-US" sz="2000" dirty="0" err="1">
+                <a:solidFill>
+                  <a:srgbClr val="545454"/>
+                </a:solidFill>
+                <a:latin typeface="DM Sans"/>
+              </a:rPr>
+              <a:t>lakukan</a:t>
+            </a:r>
+            <a:r>
+              <a:rPr lang="en-US" sz="2000" dirty="0">
+                <a:solidFill>
+                  <a:srgbClr val="545454"/>
+                </a:solidFill>
+                <a:latin typeface="DM Sans"/>
+              </a:rPr>
+              <a:t> over sampling pada label “TARGET” </a:t>
+            </a:r>
+            <a:r>
+              <a:rPr lang="en-US" sz="2000" dirty="0" err="1">
+                <a:solidFill>
+                  <a:srgbClr val="545454"/>
+                </a:solidFill>
+                <a:latin typeface="DM Sans"/>
+              </a:rPr>
+              <a:t>minoritas</a:t>
+            </a:r>
+            <a:r>
+              <a:rPr lang="en-US" sz="2000" dirty="0">
+                <a:solidFill>
+                  <a:srgbClr val="545454"/>
+                </a:solidFill>
+                <a:latin typeface="DM Sans"/>
+              </a:rPr>
+              <a:t>.</a:t>
+            </a:r>
+          </a:p>
+        </p:txBody>
+      </p:sp>
+      <p:sp>
+        <p:nvSpPr>
+          <p:cNvPr id="51" name="TextBox 51"/>
+          <p:cNvSpPr txBox="1"/>
+          <p:nvPr/>
+        </p:nvSpPr>
+        <p:spPr>
+          <a:xfrm>
+            <a:off x="15632217" y="1163076"/>
             <a:ext cx="2042322" cy="365760"/>
           </a:xfrm>
           <a:prstGeom prst="rect">
@@ -9628,178 +10559,35 @@
               </a:lnSpc>
             </a:pPr>
             <a:r>
-              <a:rPr lang="en-US" sz="2100" spc="67">
+              <a:rPr lang="en-US" sz="2100" spc="67" dirty="0" err="1">
                 <a:solidFill>
                   <a:srgbClr val="545454"/>
                 </a:solidFill>
                 <a:latin typeface="DM Sans Bold"/>
               </a:rPr>
-              <a:t>OHE</a:t>
+              <a:t>Spliting</a:t>
+            </a:r>
+            <a:r>
+              <a:rPr lang="en-US" sz="2100" spc="67" dirty="0">
+                <a:solidFill>
+                  <a:srgbClr val="545454"/>
+                </a:solidFill>
+                <a:latin typeface="DM Sans Bold"/>
+              </a:rPr>
+              <a:t> Data</a:t>
             </a:r>
           </a:p>
         </p:txBody>
       </p:sp>
       <p:sp>
         <p:nvSpPr>
-          <p:cNvPr id="48" name="TextBox 48"/>
-          <p:cNvSpPr txBox="1"/>
-          <p:nvPr/>
-        </p:nvSpPr>
-        <p:spPr>
-          <a:xfrm>
-            <a:off x="5249765" y="7657648"/>
-            <a:ext cx="2681393" cy="2143125"/>
-          </a:xfrm>
-          <a:prstGeom prst="rect">
-            <a:avLst/>
-          </a:prstGeom>
-        </p:spPr>
-        <p:txBody>
-          <a:bodyPr lIns="0" tIns="0" rIns="0" bIns="0" rtlCol="0" anchor="t">
-            <a:spAutoFit/>
-          </a:bodyPr>
-          <a:lstStyle/>
-          <a:p>
-            <a:pPr algn="ctr">
-              <a:lnSpc>
-                <a:spcPts val="2400"/>
-              </a:lnSpc>
-            </a:pPr>
-            <a:r>
-              <a:rPr lang="en-US" sz="2000">
-                <a:solidFill>
-                  <a:srgbClr val="545454"/>
-                </a:solidFill>
-                <a:latin typeface="DM Sans"/>
-              </a:rPr>
-              <a:t>Cari tipe data kategori dalam data train dan data test. Lalu lakukan OHE dengan parameter drop “first” sehingga semua nilai bertipe numerik.. </a:t>
-            </a:r>
-          </a:p>
-        </p:txBody>
-      </p:sp>
-      <p:sp>
-        <p:nvSpPr>
-          <p:cNvPr id="49" name="TextBox 49"/>
-          <p:cNvSpPr txBox="1"/>
-          <p:nvPr/>
-        </p:nvSpPr>
-        <p:spPr>
-          <a:xfrm>
-            <a:off x="8063547" y="1920344"/>
-            <a:ext cx="2042322" cy="365760"/>
-          </a:xfrm>
-          <a:prstGeom prst="rect">
-            <a:avLst/>
-          </a:prstGeom>
-        </p:spPr>
-        <p:txBody>
-          <a:bodyPr lIns="0" tIns="0" rIns="0" bIns="0" rtlCol="0" anchor="t">
-            <a:spAutoFit/>
-          </a:bodyPr>
-          <a:lstStyle/>
-          <a:p>
-            <a:pPr algn="ctr">
-              <a:lnSpc>
-                <a:spcPts val="2940"/>
-              </a:lnSpc>
-            </a:pPr>
-            <a:r>
-              <a:rPr lang="en-US" sz="2100" spc="67">
-                <a:solidFill>
-                  <a:srgbClr val="545454"/>
-                </a:solidFill>
-                <a:latin typeface="DM Sans Bold"/>
-              </a:rPr>
-              <a:t>Over Sampling</a:t>
-            </a:r>
-          </a:p>
-        </p:txBody>
-      </p:sp>
-      <p:sp>
-        <p:nvSpPr>
-          <p:cNvPr id="50" name="TextBox 50"/>
-          <p:cNvSpPr txBox="1"/>
-          <p:nvPr/>
-        </p:nvSpPr>
-        <p:spPr>
-          <a:xfrm>
-            <a:off x="7852186" y="2428979"/>
-            <a:ext cx="2465043" cy="1838325"/>
-          </a:xfrm>
-          <a:prstGeom prst="rect">
-            <a:avLst/>
-          </a:prstGeom>
-        </p:spPr>
-        <p:txBody>
-          <a:bodyPr lIns="0" tIns="0" rIns="0" bIns="0" rtlCol="0" anchor="t">
-            <a:spAutoFit/>
-          </a:bodyPr>
-          <a:lstStyle/>
-          <a:p>
-            <a:pPr algn="ctr">
-              <a:lnSpc>
-                <a:spcPts val="2400"/>
-              </a:lnSpc>
-            </a:pPr>
-            <a:r>
-              <a:rPr lang="en-US" sz="2000">
-                <a:solidFill>
-                  <a:srgbClr val="545454"/>
-                </a:solidFill>
-                <a:latin typeface="DM Sans"/>
-              </a:rPr>
-              <a:t>Deklarasikan variable X dan y pada data train lalu lakukan over sampling pada label “TARGET” minoritas.</a:t>
-            </a:r>
-          </a:p>
-        </p:txBody>
-      </p:sp>
-      <p:sp>
-        <p:nvSpPr>
-          <p:cNvPr id="51" name="TextBox 51"/>
-          <p:cNvSpPr txBox="1"/>
-          <p:nvPr/>
-        </p:nvSpPr>
-        <p:spPr>
-          <a:xfrm>
-            <a:off x="10731314" y="6195942"/>
-            <a:ext cx="2042322" cy="365760"/>
-          </a:xfrm>
-          <a:prstGeom prst="rect">
-            <a:avLst/>
-          </a:prstGeom>
-        </p:spPr>
-        <p:txBody>
-          <a:bodyPr lIns="0" tIns="0" rIns="0" bIns="0" rtlCol="0" anchor="t">
-            <a:spAutoFit/>
-          </a:bodyPr>
-          <a:lstStyle/>
-          <a:p>
-            <a:pPr algn="ctr">
-              <a:lnSpc>
-                <a:spcPts val="2940"/>
-              </a:lnSpc>
-            </a:pPr>
-            <a:r>
-              <a:rPr lang="en-US" sz="2100" spc="67">
-                <a:solidFill>
-                  <a:srgbClr val="545454"/>
-                </a:solidFill>
-                <a:latin typeface="DM Sans Bold"/>
-              </a:rPr>
-              <a:t>Spliting Data</a:t>
-            </a:r>
-          </a:p>
-        </p:txBody>
-      </p:sp>
-      <p:sp>
-        <p:nvSpPr>
           <p:cNvPr id="52" name="TextBox 52"/>
           <p:cNvSpPr txBox="1"/>
           <p:nvPr/>
         </p:nvSpPr>
         <p:spPr>
           <a:xfrm>
-            <a:off x="10500229" y="6783173"/>
+            <a:off x="15401131" y="1746995"/>
             <a:ext cx="2504494" cy="2667000"/>
           </a:xfrm>
           <a:prstGeom prst="rect">
@@ -9818,89 +10606,274 @@
               </a:lnSpc>
             </a:pPr>
             <a:r>
-              <a:rPr lang="en-US" sz="1800">
+              <a:rPr lang="en-US" sz="1800" dirty="0" err="1">
                 <a:solidFill>
                   <a:srgbClr val="545454"/>
                 </a:solidFill>
                 <a:latin typeface="DM Sans"/>
               </a:rPr>
-              <a:t>Setelah label “TARGET” komposisi jumlahnya berimbang maka lakukan split data pada data train. Hasil yang diperoleh X_train, y_train untuk pemodelan dan X_test dan y_test untuk evaluasi model.</a:t>
-            </a:r>
-          </a:p>
-        </p:txBody>
-      </p:sp>
-      <p:sp>
-        <p:nvSpPr>
-          <p:cNvPr id="53" name="TextBox 53"/>
-          <p:cNvSpPr txBox="1"/>
-          <p:nvPr/>
-        </p:nvSpPr>
-        <p:spPr>
-          <a:xfrm>
-            <a:off x="13272625" y="1969372"/>
-            <a:ext cx="2042322" cy="365760"/>
-          </a:xfrm>
-          <a:prstGeom prst="rect">
-            <a:avLst/>
-          </a:prstGeom>
-        </p:spPr>
-        <p:txBody>
-          <a:bodyPr lIns="0" tIns="0" rIns="0" bIns="0" rtlCol="0" anchor="t">
-            <a:spAutoFit/>
-          </a:bodyPr>
-          <a:lstStyle/>
-          <a:p>
-            <a:pPr algn="ctr">
-              <a:lnSpc>
-                <a:spcPts val="2940"/>
-              </a:lnSpc>
-            </a:pPr>
-            <a:r>
-              <a:rPr lang="en-US" sz="2100" spc="67">
+              <a:t>Setelah</a:t>
+            </a:r>
+            <a:r>
+              <a:rPr lang="en-US" sz="1800" dirty="0">
                 <a:solidFill>
                   <a:srgbClr val="545454"/>
                 </a:solidFill>
-                <a:latin typeface="DM Sans Bold"/>
-              </a:rPr>
-              <a:t>F. Selection</a:t>
-            </a:r>
-          </a:p>
-        </p:txBody>
-      </p:sp>
-      <p:sp>
-        <p:nvSpPr>
-          <p:cNvPr id="54" name="TextBox 54"/>
-          <p:cNvSpPr txBox="1"/>
-          <p:nvPr/>
-        </p:nvSpPr>
-        <p:spPr>
-          <a:xfrm>
-            <a:off x="13079865" y="2458957"/>
-            <a:ext cx="2427841" cy="2752725"/>
-          </a:xfrm>
-          <a:prstGeom prst="rect">
-            <a:avLst/>
-          </a:prstGeom>
-        </p:spPr>
-        <p:txBody>
-          <a:bodyPr lIns="0" tIns="0" rIns="0" bIns="0" rtlCol="0" anchor="t">
-            <a:spAutoFit/>
-          </a:bodyPr>
-          <a:lstStyle/>
-          <a:p>
-            <a:pPr algn="ctr">
-              <a:lnSpc>
-                <a:spcPts val="2400"/>
-              </a:lnSpc>
-            </a:pPr>
-            <a:r>
-              <a:rPr lang="en-US" sz="2000">
+                <a:latin typeface="DM Sans"/>
+              </a:rPr>
+              <a:t> label “TARGET” </a:t>
+            </a:r>
+            <a:r>
+              <a:rPr lang="en-US" sz="1800" dirty="0" err="1">
                 <a:solidFill>
                   <a:srgbClr val="545454"/>
                 </a:solidFill>
                 <a:latin typeface="DM Sans"/>
               </a:rPr>
-              <a:t>Cari top 20 feature data train maupun data test yang berpengaruh terhadap label “TARGET” dengan menggunakan library mutual_info_classif</a:t>
+              <a:t>komposisi</a:t>
+            </a:r>
+            <a:r>
+              <a:rPr lang="en-US" sz="1800" dirty="0">
+                <a:solidFill>
+                  <a:srgbClr val="545454"/>
+                </a:solidFill>
+                <a:latin typeface="DM Sans"/>
+              </a:rPr>
+              <a:t> </a:t>
+            </a:r>
+            <a:r>
+              <a:rPr lang="en-US" sz="1800" dirty="0" err="1">
+                <a:solidFill>
+                  <a:srgbClr val="545454"/>
+                </a:solidFill>
+                <a:latin typeface="DM Sans"/>
+              </a:rPr>
+              <a:t>jumlahnya</a:t>
+            </a:r>
+            <a:r>
+              <a:rPr lang="en-US" sz="1800" dirty="0">
+                <a:solidFill>
+                  <a:srgbClr val="545454"/>
+                </a:solidFill>
+                <a:latin typeface="DM Sans"/>
+              </a:rPr>
+              <a:t> </a:t>
+            </a:r>
+            <a:r>
+              <a:rPr lang="en-US" sz="1800" dirty="0" err="1">
+                <a:solidFill>
+                  <a:srgbClr val="545454"/>
+                </a:solidFill>
+                <a:latin typeface="DM Sans"/>
+              </a:rPr>
+              <a:t>berimbang</a:t>
+            </a:r>
+            <a:r>
+              <a:rPr lang="en-US" sz="1800" dirty="0">
+                <a:solidFill>
+                  <a:srgbClr val="545454"/>
+                </a:solidFill>
+                <a:latin typeface="DM Sans"/>
+              </a:rPr>
+              <a:t> </a:t>
+            </a:r>
+            <a:r>
+              <a:rPr lang="en-US" sz="1800" dirty="0" err="1">
+                <a:solidFill>
+                  <a:srgbClr val="545454"/>
+                </a:solidFill>
+                <a:latin typeface="DM Sans"/>
+              </a:rPr>
+              <a:t>maka</a:t>
+            </a:r>
+            <a:r>
+              <a:rPr lang="en-US" sz="1800" dirty="0">
+                <a:solidFill>
+                  <a:srgbClr val="545454"/>
+                </a:solidFill>
+                <a:latin typeface="DM Sans"/>
+              </a:rPr>
+              <a:t> </a:t>
+            </a:r>
+            <a:r>
+              <a:rPr lang="en-US" sz="1800" dirty="0" err="1">
+                <a:solidFill>
+                  <a:srgbClr val="545454"/>
+                </a:solidFill>
+                <a:latin typeface="DM Sans"/>
+              </a:rPr>
+              <a:t>lakukan</a:t>
+            </a:r>
+            <a:r>
+              <a:rPr lang="en-US" sz="1800" dirty="0">
+                <a:solidFill>
+                  <a:srgbClr val="545454"/>
+                </a:solidFill>
+                <a:latin typeface="DM Sans"/>
+              </a:rPr>
+              <a:t> split data pada data train. Hasil yang </a:t>
+            </a:r>
+            <a:r>
+              <a:rPr lang="en-US" sz="1800" dirty="0" err="1">
+                <a:solidFill>
+                  <a:srgbClr val="545454"/>
+                </a:solidFill>
+                <a:latin typeface="DM Sans"/>
+              </a:rPr>
+              <a:t>diperoleh</a:t>
+            </a:r>
+            <a:r>
+              <a:rPr lang="en-US" sz="1800" dirty="0">
+                <a:solidFill>
+                  <a:srgbClr val="545454"/>
+                </a:solidFill>
+                <a:latin typeface="DM Sans"/>
+              </a:rPr>
+              <a:t> </a:t>
+            </a:r>
+            <a:r>
+              <a:rPr lang="en-US" sz="1800" dirty="0" err="1">
+                <a:solidFill>
+                  <a:srgbClr val="545454"/>
+                </a:solidFill>
+                <a:latin typeface="DM Sans"/>
+              </a:rPr>
+              <a:t>X_train</a:t>
+            </a:r>
+            <a:r>
+              <a:rPr lang="en-US" sz="1800" dirty="0">
+                <a:solidFill>
+                  <a:srgbClr val="545454"/>
+                </a:solidFill>
+                <a:latin typeface="DM Sans"/>
+              </a:rPr>
+              <a:t>, </a:t>
+            </a:r>
+            <a:r>
+              <a:rPr lang="en-US" sz="1800" dirty="0" err="1">
+                <a:solidFill>
+                  <a:srgbClr val="545454"/>
+                </a:solidFill>
+                <a:latin typeface="DM Sans"/>
+              </a:rPr>
+              <a:t>y_train</a:t>
+            </a:r>
+            <a:r>
+              <a:rPr lang="en-US" sz="1800" dirty="0">
+                <a:solidFill>
+                  <a:srgbClr val="545454"/>
+                </a:solidFill>
+                <a:latin typeface="DM Sans"/>
+              </a:rPr>
+              <a:t> </a:t>
+            </a:r>
+            <a:r>
+              <a:rPr lang="en-US" sz="1800" dirty="0" err="1">
+                <a:solidFill>
+                  <a:srgbClr val="545454"/>
+                </a:solidFill>
+                <a:latin typeface="DM Sans"/>
+              </a:rPr>
+              <a:t>untuk</a:t>
+            </a:r>
+            <a:r>
+              <a:rPr lang="en-US" sz="1800" dirty="0">
+                <a:solidFill>
+                  <a:srgbClr val="545454"/>
+                </a:solidFill>
+                <a:latin typeface="DM Sans"/>
+              </a:rPr>
+              <a:t> </a:t>
+            </a:r>
+            <a:r>
+              <a:rPr lang="en-US" sz="1800" dirty="0" err="1">
+                <a:solidFill>
+                  <a:srgbClr val="545454"/>
+                </a:solidFill>
+                <a:latin typeface="DM Sans"/>
+              </a:rPr>
+              <a:t>pemodelan</a:t>
+            </a:r>
+            <a:r>
+              <a:rPr lang="en-US" sz="1800" dirty="0">
+                <a:solidFill>
+                  <a:srgbClr val="545454"/>
+                </a:solidFill>
+                <a:latin typeface="DM Sans"/>
+              </a:rPr>
+              <a:t> dan </a:t>
+            </a:r>
+            <a:r>
+              <a:rPr lang="en-US" sz="1800" dirty="0" err="1">
+                <a:solidFill>
+                  <a:srgbClr val="545454"/>
+                </a:solidFill>
+                <a:latin typeface="DM Sans"/>
+              </a:rPr>
+              <a:t>X_test</a:t>
+            </a:r>
+            <a:r>
+              <a:rPr lang="en-US" sz="1800" dirty="0">
+                <a:solidFill>
+                  <a:srgbClr val="545454"/>
+                </a:solidFill>
+                <a:latin typeface="DM Sans"/>
+              </a:rPr>
+              <a:t> dan </a:t>
+            </a:r>
+            <a:r>
+              <a:rPr lang="en-US" sz="1800" dirty="0" err="1">
+                <a:solidFill>
+                  <a:srgbClr val="545454"/>
+                </a:solidFill>
+                <a:latin typeface="DM Sans"/>
+              </a:rPr>
+              <a:t>y_test</a:t>
+            </a:r>
+            <a:r>
+              <a:rPr lang="en-US" sz="1800" dirty="0">
+                <a:solidFill>
+                  <a:srgbClr val="545454"/>
+                </a:solidFill>
+                <a:latin typeface="DM Sans"/>
+              </a:rPr>
+              <a:t> </a:t>
+            </a:r>
+            <a:r>
+              <a:rPr lang="en-US" sz="1800" dirty="0" err="1">
+                <a:solidFill>
+                  <a:srgbClr val="545454"/>
+                </a:solidFill>
+                <a:latin typeface="DM Sans"/>
+              </a:rPr>
+              <a:t>untuk</a:t>
+            </a:r>
+            <a:r>
+              <a:rPr lang="en-US" sz="1800" dirty="0">
+                <a:solidFill>
+                  <a:srgbClr val="545454"/>
+                </a:solidFill>
+                <a:latin typeface="DM Sans"/>
+              </a:rPr>
+              <a:t> </a:t>
+            </a:r>
+            <a:r>
+              <a:rPr lang="en-US" sz="1800" dirty="0" err="1">
+                <a:solidFill>
+                  <a:srgbClr val="545454"/>
+                </a:solidFill>
+                <a:latin typeface="DM Sans"/>
+              </a:rPr>
+              <a:t>evaluasi</a:t>
+            </a:r>
+            <a:r>
+              <a:rPr lang="en-US" sz="1800" dirty="0">
+                <a:solidFill>
+                  <a:srgbClr val="545454"/>
+                </a:solidFill>
+                <a:latin typeface="DM Sans"/>
+              </a:rPr>
+              <a:t> model.</a:t>
             </a:r>
           </a:p>
         </p:txBody>
@@ -10503,7 +11476,7 @@
         </p:nvSpPr>
         <p:spPr>
           <a:xfrm>
-            <a:off x="8250693" y="4838841"/>
+            <a:off x="13225743" y="3759808"/>
             <a:ext cx="1699537" cy="784225"/>
           </a:xfrm>
           <a:prstGeom prst="rect">
@@ -10522,7 +11495,7 @@
               </a:lnSpc>
             </a:pPr>
             <a:r>
-              <a:rPr lang="en-US" sz="2000" spc="242">
+              <a:rPr lang="en-US" sz="2000" spc="242" dirty="0">
                 <a:solidFill>
                   <a:srgbClr val="FFFFFF"/>
                 </a:solidFill>
@@ -10540,9 +11513,9 @@
           <p:nvPr/>
         </p:nvSpPr>
         <p:spPr>
-          <a:xfrm flipH="1" flipV="1">
-            <a:off x="10105869" y="4924566"/>
-            <a:ext cx="809345" cy="92042"/>
+          <a:xfrm flipH="1">
+            <a:off x="12012681" y="4246904"/>
+            <a:ext cx="1241784" cy="167092"/>
           </a:xfrm>
           <a:prstGeom prst="line">
             <a:avLst/>
@@ -10559,13 +11532,607 @@
       </p:sp>
       <p:sp>
         <p:nvSpPr>
-          <p:cNvPr id="70" name="TextBox 70"/>
+          <p:cNvPr id="72" name="TextBox 35">
+            <a:extLst>
+              <a:ext uri="{FF2B5EF4-FFF2-40B4-BE49-F238E27FC236}">
+                <a16:creationId xmlns:a16="http://schemas.microsoft.com/office/drawing/2014/main" id="{0705014A-3526-B944-1F19-EFC706AB06FE}"/>
+              </a:ext>
+            </a:extLst>
+          </p:cNvPr>
           <p:cNvSpPr txBox="1"/>
           <p:nvPr/>
         </p:nvSpPr>
         <p:spPr>
           <a:xfrm>
-            <a:off x="15623039" y="1090929"/>
+            <a:off x="883376" y="4787361"/>
+            <a:ext cx="1424407" cy="1201804"/>
+          </a:xfrm>
+          <a:prstGeom prst="rect">
+            <a:avLst/>
+          </a:prstGeom>
+        </p:spPr>
+        <p:txBody>
+          <a:bodyPr lIns="0" tIns="0" rIns="0" bIns="0" rtlCol="0" anchor="t">
+            <a:spAutoFit/>
+          </a:bodyPr>
+          <a:lstStyle/>
+          <a:p>
+            <a:pPr algn="ctr">
+              <a:lnSpc>
+                <a:spcPts val="3200"/>
+              </a:lnSpc>
+            </a:pPr>
+            <a:r>
+              <a:rPr lang="en-US" sz="2000" spc="242" dirty="0">
+                <a:solidFill>
+                  <a:srgbClr val="FFFFFF"/>
+                </a:solidFill>
+                <a:latin typeface="DM Sans Bold"/>
+              </a:rPr>
+              <a:t>EDA</a:t>
+            </a:r>
+          </a:p>
+          <a:p>
+            <a:pPr algn="ctr">
+              <a:lnSpc>
+                <a:spcPts val="3200"/>
+              </a:lnSpc>
+            </a:pPr>
+            <a:r>
+              <a:rPr lang="en-US" sz="2000" spc="242" dirty="0">
+                <a:solidFill>
+                  <a:srgbClr val="FFFFFF"/>
+                </a:solidFill>
+                <a:latin typeface="DM Sans Bold"/>
+              </a:rPr>
+              <a:t>NILAI ANOMALI</a:t>
+            </a:r>
+          </a:p>
+        </p:txBody>
+      </p:sp>
+      <p:sp>
+        <p:nvSpPr>
+          <p:cNvPr id="73" name="TextBox 41">
+            <a:extLst>
+              <a:ext uri="{FF2B5EF4-FFF2-40B4-BE49-F238E27FC236}">
+                <a16:creationId xmlns:a16="http://schemas.microsoft.com/office/drawing/2014/main" id="{4C9197ED-859F-448E-3F89-41FB02B8303F}"/>
+              </a:ext>
+            </a:extLst>
+          </p:cNvPr>
+          <p:cNvSpPr txBox="1"/>
+          <p:nvPr/>
+        </p:nvSpPr>
+        <p:spPr>
+          <a:xfrm>
+            <a:off x="15809889" y="5099898"/>
+            <a:ext cx="1686979" cy="784225"/>
+          </a:xfrm>
+          <a:prstGeom prst="rect">
+            <a:avLst/>
+          </a:prstGeom>
+        </p:spPr>
+        <p:txBody>
+          <a:bodyPr lIns="0" tIns="0" rIns="0" bIns="0" rtlCol="0" anchor="t">
+            <a:spAutoFit/>
+          </a:bodyPr>
+          <a:lstStyle/>
+          <a:p>
+            <a:pPr algn="ctr">
+              <a:lnSpc>
+                <a:spcPts val="3200"/>
+              </a:lnSpc>
+            </a:pPr>
+            <a:r>
+              <a:rPr lang="en-US" sz="2000" spc="242" dirty="0">
+                <a:solidFill>
+                  <a:srgbClr val="FFFFFF"/>
+                </a:solidFill>
+                <a:latin typeface="DM Sans Bold"/>
+              </a:rPr>
+              <a:t>SPLITING DATA</a:t>
+            </a:r>
+          </a:p>
+        </p:txBody>
+      </p:sp>
+      <p:sp>
+        <p:nvSpPr>
+          <p:cNvPr id="74" name="TextBox 36">
+            <a:extLst>
+              <a:ext uri="{FF2B5EF4-FFF2-40B4-BE49-F238E27FC236}">
+                <a16:creationId xmlns:a16="http://schemas.microsoft.com/office/drawing/2014/main" id="{DE3F5CAC-1441-B4A3-B708-824BBC211052}"/>
+              </a:ext>
+            </a:extLst>
+          </p:cNvPr>
+          <p:cNvSpPr txBox="1"/>
+          <p:nvPr/>
+        </p:nvSpPr>
+        <p:spPr>
+          <a:xfrm>
+            <a:off x="9502597" y="6841614"/>
+            <a:ext cx="2510085" cy="2769989"/>
+          </a:xfrm>
+          <a:prstGeom prst="rect">
+            <a:avLst/>
+          </a:prstGeom>
+        </p:spPr>
+        <p:txBody>
+          <a:bodyPr wrap="square" lIns="0" tIns="0" rIns="0" bIns="0" rtlCol="0" anchor="t">
+            <a:spAutoFit/>
+          </a:bodyPr>
+          <a:lstStyle/>
+          <a:p>
+            <a:pPr algn="ctr">
+              <a:lnSpc>
+                <a:spcPts val="2400"/>
+              </a:lnSpc>
+            </a:pPr>
+            <a:r>
+              <a:rPr lang="en-US" sz="2000" dirty="0" err="1">
+                <a:solidFill>
+                  <a:srgbClr val="545454"/>
+                </a:solidFill>
+                <a:latin typeface="DM Sans"/>
+              </a:rPr>
+              <a:t>Deklarasi</a:t>
+            </a:r>
+            <a:r>
+              <a:rPr lang="en-US" sz="2000" dirty="0">
+                <a:solidFill>
+                  <a:srgbClr val="545454"/>
+                </a:solidFill>
+                <a:latin typeface="DM Sans"/>
+              </a:rPr>
+              <a:t> variable </a:t>
+            </a:r>
+            <a:r>
+              <a:rPr lang="en-US" sz="2000" dirty="0" err="1">
+                <a:solidFill>
+                  <a:srgbClr val="545454"/>
+                </a:solidFill>
+                <a:latin typeface="DM Sans"/>
+              </a:rPr>
+              <a:t>numerik</a:t>
+            </a:r>
+            <a:r>
+              <a:rPr lang="en-US" sz="2000" dirty="0">
+                <a:solidFill>
+                  <a:srgbClr val="545454"/>
+                </a:solidFill>
+                <a:latin typeface="DM Sans"/>
+              </a:rPr>
+              <a:t> dan </a:t>
+            </a:r>
+            <a:r>
+              <a:rPr lang="en-US" sz="2000" dirty="0" err="1">
+                <a:solidFill>
+                  <a:srgbClr val="545454"/>
+                </a:solidFill>
+                <a:latin typeface="DM Sans"/>
+              </a:rPr>
+              <a:t>kategori</a:t>
+            </a:r>
+            <a:r>
+              <a:rPr lang="en-US" sz="2000" dirty="0">
+                <a:solidFill>
+                  <a:srgbClr val="545454"/>
+                </a:solidFill>
+                <a:latin typeface="DM Sans"/>
+              </a:rPr>
+              <a:t>. </a:t>
+            </a:r>
+            <a:r>
+              <a:rPr lang="en-US" sz="2000" dirty="0" err="1">
+                <a:solidFill>
+                  <a:srgbClr val="545454"/>
+                </a:solidFill>
+                <a:latin typeface="DM Sans"/>
+              </a:rPr>
+              <a:t>Buat</a:t>
+            </a:r>
+            <a:r>
+              <a:rPr lang="en-US" sz="2000" dirty="0">
+                <a:solidFill>
+                  <a:srgbClr val="545454"/>
+                </a:solidFill>
+                <a:latin typeface="DM Sans"/>
+              </a:rPr>
+              <a:t> pipeline </a:t>
+            </a:r>
+            <a:r>
+              <a:rPr lang="en-US" sz="2000" dirty="0" err="1">
+                <a:solidFill>
+                  <a:srgbClr val="545454"/>
+                </a:solidFill>
+                <a:latin typeface="DM Sans"/>
+              </a:rPr>
+              <a:t>imputasi</a:t>
+            </a:r>
+            <a:r>
+              <a:rPr lang="en-US" sz="2000" dirty="0">
+                <a:solidFill>
+                  <a:srgbClr val="545454"/>
+                </a:solidFill>
+                <a:latin typeface="DM Sans"/>
+              </a:rPr>
+              <a:t>, encoding, dan feature scaling </a:t>
+            </a:r>
+            <a:r>
+              <a:rPr lang="en-US" sz="2000" dirty="0" err="1">
+                <a:solidFill>
+                  <a:srgbClr val="545454"/>
+                </a:solidFill>
+                <a:latin typeface="DM Sans"/>
+              </a:rPr>
+              <a:t>sekaligus</a:t>
+            </a:r>
+            <a:r>
+              <a:rPr lang="en-US" sz="2000" dirty="0">
+                <a:solidFill>
+                  <a:srgbClr val="545454"/>
+                </a:solidFill>
+                <a:latin typeface="DM Sans"/>
+              </a:rPr>
+              <a:t> pada masing-masing </a:t>
+            </a:r>
+            <a:r>
+              <a:rPr lang="en-US" sz="2000" dirty="0" err="1">
+                <a:solidFill>
+                  <a:srgbClr val="545454"/>
+                </a:solidFill>
+                <a:latin typeface="DM Sans"/>
+              </a:rPr>
+              <a:t>tipe</a:t>
+            </a:r>
+            <a:r>
+              <a:rPr lang="en-US" sz="2000" dirty="0">
+                <a:solidFill>
+                  <a:srgbClr val="545454"/>
+                </a:solidFill>
+                <a:latin typeface="DM Sans"/>
+              </a:rPr>
+              <a:t> data.</a:t>
+            </a:r>
+          </a:p>
+        </p:txBody>
+      </p:sp>
+      <p:sp>
+        <p:nvSpPr>
+          <p:cNvPr id="75" name="TextBox 36">
+            <a:extLst>
+              <a:ext uri="{FF2B5EF4-FFF2-40B4-BE49-F238E27FC236}">
+                <a16:creationId xmlns:a16="http://schemas.microsoft.com/office/drawing/2014/main" id="{405FE7B0-D497-5B7C-97AC-F9008E6491C0}"/>
+              </a:ext>
+            </a:extLst>
+          </p:cNvPr>
+          <p:cNvSpPr txBox="1"/>
+          <p:nvPr/>
+        </p:nvSpPr>
+        <p:spPr>
+          <a:xfrm>
+            <a:off x="424332" y="1323416"/>
+            <a:ext cx="2329799" cy="3077766"/>
+          </a:xfrm>
+          <a:prstGeom prst="rect">
+            <a:avLst/>
+          </a:prstGeom>
+        </p:spPr>
+        <p:txBody>
+          <a:bodyPr wrap="square" lIns="0" tIns="0" rIns="0" bIns="0" rtlCol="0" anchor="t">
+            <a:spAutoFit/>
+          </a:bodyPr>
+          <a:lstStyle/>
+          <a:p>
+            <a:pPr algn="ctr">
+              <a:lnSpc>
+                <a:spcPts val="2400"/>
+              </a:lnSpc>
+            </a:pPr>
+            <a:r>
+              <a:rPr lang="en-US" sz="2000" dirty="0" err="1">
+                <a:solidFill>
+                  <a:srgbClr val="545454"/>
+                </a:solidFill>
+                <a:latin typeface="DM Sans"/>
+              </a:rPr>
+              <a:t>Lihat</a:t>
+            </a:r>
+            <a:r>
+              <a:rPr lang="en-US" sz="2000" dirty="0">
+                <a:solidFill>
+                  <a:srgbClr val="545454"/>
+                </a:solidFill>
+                <a:latin typeface="DM Sans"/>
+              </a:rPr>
+              <a:t> </a:t>
+            </a:r>
+            <a:r>
+              <a:rPr lang="en-US" sz="2000" dirty="0" err="1">
+                <a:solidFill>
+                  <a:srgbClr val="545454"/>
+                </a:solidFill>
+                <a:latin typeface="DM Sans"/>
+              </a:rPr>
+              <a:t>variasi</a:t>
+            </a:r>
+            <a:r>
+              <a:rPr lang="en-US" sz="2000" dirty="0">
+                <a:solidFill>
+                  <a:srgbClr val="545454"/>
+                </a:solidFill>
+                <a:latin typeface="DM Sans"/>
+              </a:rPr>
+              <a:t> </a:t>
+            </a:r>
+            <a:r>
+              <a:rPr lang="en-US" sz="2000" dirty="0" err="1">
+                <a:solidFill>
+                  <a:srgbClr val="545454"/>
+                </a:solidFill>
+                <a:latin typeface="DM Sans"/>
+              </a:rPr>
+              <a:t>nilai</a:t>
+            </a:r>
+            <a:r>
+              <a:rPr lang="en-US" sz="2000" dirty="0">
+                <a:solidFill>
+                  <a:srgbClr val="545454"/>
+                </a:solidFill>
+                <a:latin typeface="DM Sans"/>
+              </a:rPr>
+              <a:t> masing-masing feature. </a:t>
+            </a:r>
+            <a:r>
+              <a:rPr lang="en-US" sz="2000" dirty="0" err="1">
+                <a:solidFill>
+                  <a:srgbClr val="545454"/>
+                </a:solidFill>
+                <a:latin typeface="DM Sans"/>
+              </a:rPr>
+              <a:t>Identifikasi</a:t>
+            </a:r>
+            <a:r>
+              <a:rPr lang="en-US" sz="2000" dirty="0">
+                <a:solidFill>
+                  <a:srgbClr val="545454"/>
+                </a:solidFill>
+                <a:latin typeface="DM Sans"/>
+              </a:rPr>
+              <a:t> </a:t>
+            </a:r>
+            <a:r>
+              <a:rPr lang="en-US" sz="2000" dirty="0" err="1">
+                <a:solidFill>
+                  <a:srgbClr val="545454"/>
+                </a:solidFill>
+                <a:latin typeface="DM Sans"/>
+              </a:rPr>
+              <a:t>nilai</a:t>
+            </a:r>
+            <a:r>
+              <a:rPr lang="en-US" sz="2000" dirty="0">
+                <a:solidFill>
+                  <a:srgbClr val="545454"/>
+                </a:solidFill>
+                <a:latin typeface="DM Sans"/>
+              </a:rPr>
+              <a:t> </a:t>
+            </a:r>
+            <a:r>
+              <a:rPr lang="en-US" sz="2000" dirty="0" err="1">
+                <a:solidFill>
+                  <a:srgbClr val="545454"/>
+                </a:solidFill>
+                <a:latin typeface="DM Sans"/>
+              </a:rPr>
+              <a:t>maupun</a:t>
+            </a:r>
+            <a:r>
+              <a:rPr lang="en-US" sz="2000" dirty="0">
+                <a:solidFill>
+                  <a:srgbClr val="545454"/>
+                </a:solidFill>
+                <a:latin typeface="DM Sans"/>
+              </a:rPr>
+              <a:t> </a:t>
+            </a:r>
+            <a:r>
+              <a:rPr lang="en-US" sz="2000" dirty="0" err="1">
+                <a:solidFill>
+                  <a:srgbClr val="545454"/>
+                </a:solidFill>
+                <a:latin typeface="DM Sans"/>
+              </a:rPr>
+              <a:t>distribusinya</a:t>
+            </a:r>
+            <a:r>
+              <a:rPr lang="en-US" sz="2000" dirty="0">
+                <a:solidFill>
+                  <a:srgbClr val="545454"/>
+                </a:solidFill>
+                <a:latin typeface="DM Sans"/>
+              </a:rPr>
+              <a:t> </a:t>
+            </a:r>
+            <a:r>
+              <a:rPr lang="en-US" sz="2000" dirty="0" err="1">
+                <a:solidFill>
+                  <a:srgbClr val="545454"/>
+                </a:solidFill>
+                <a:latin typeface="DM Sans"/>
+              </a:rPr>
+              <a:t>dengan</a:t>
+            </a:r>
+            <a:r>
+              <a:rPr lang="en-US" sz="2000" dirty="0">
+                <a:solidFill>
+                  <a:srgbClr val="545454"/>
+                </a:solidFill>
+                <a:latin typeface="DM Sans"/>
+              </a:rPr>
+              <a:t> </a:t>
+            </a:r>
+            <a:r>
+              <a:rPr lang="en-US" sz="2000" dirty="0" err="1">
+                <a:solidFill>
+                  <a:srgbClr val="545454"/>
+                </a:solidFill>
+                <a:latin typeface="DM Sans"/>
+              </a:rPr>
+              <a:t>fungsi</a:t>
+            </a:r>
+            <a:r>
+              <a:rPr lang="en-US" sz="2000" dirty="0">
+                <a:solidFill>
+                  <a:srgbClr val="545454"/>
+                </a:solidFill>
+                <a:latin typeface="DM Sans"/>
+              </a:rPr>
+              <a:t> describe(), </a:t>
+            </a:r>
+            <a:r>
+              <a:rPr lang="en-US" sz="2000" dirty="0" err="1">
+                <a:solidFill>
+                  <a:srgbClr val="545454"/>
+                </a:solidFill>
+                <a:latin typeface="DM Sans"/>
+              </a:rPr>
+              <a:t>lakukan</a:t>
+            </a:r>
+            <a:r>
+              <a:rPr lang="en-US" sz="2000" dirty="0">
+                <a:solidFill>
+                  <a:srgbClr val="545454"/>
+                </a:solidFill>
+                <a:latin typeface="DM Sans"/>
+              </a:rPr>
+              <a:t> </a:t>
+            </a:r>
+            <a:r>
+              <a:rPr lang="en-US" sz="2000" dirty="0" err="1">
+                <a:solidFill>
+                  <a:srgbClr val="545454"/>
+                </a:solidFill>
+                <a:latin typeface="DM Sans"/>
+              </a:rPr>
+              <a:t>perbaikan</a:t>
+            </a:r>
+            <a:r>
+              <a:rPr lang="en-US" sz="2000" dirty="0">
+                <a:solidFill>
+                  <a:srgbClr val="545454"/>
+                </a:solidFill>
+                <a:latin typeface="DM Sans"/>
+              </a:rPr>
+              <a:t> </a:t>
+            </a:r>
+            <a:r>
+              <a:rPr lang="en-US" sz="2000" dirty="0" err="1">
+                <a:solidFill>
+                  <a:srgbClr val="545454"/>
+                </a:solidFill>
+                <a:latin typeface="DM Sans"/>
+              </a:rPr>
+              <a:t>nilai</a:t>
+            </a:r>
+            <a:r>
+              <a:rPr lang="en-US" sz="2000" dirty="0">
+                <a:solidFill>
+                  <a:srgbClr val="545454"/>
+                </a:solidFill>
+                <a:latin typeface="DM Sans"/>
+              </a:rPr>
+              <a:t> </a:t>
+            </a:r>
+            <a:r>
+              <a:rPr lang="en-US" sz="2000" dirty="0" err="1">
+                <a:solidFill>
+                  <a:srgbClr val="545454"/>
+                </a:solidFill>
+                <a:latin typeface="DM Sans"/>
+              </a:rPr>
+              <a:t>sehingga</a:t>
+            </a:r>
+            <a:r>
+              <a:rPr lang="en-US" sz="2000" dirty="0">
+                <a:solidFill>
+                  <a:srgbClr val="545454"/>
+                </a:solidFill>
+                <a:latin typeface="DM Sans"/>
+              </a:rPr>
+              <a:t> </a:t>
+            </a:r>
+            <a:r>
+              <a:rPr lang="en-US" sz="2000" dirty="0" err="1">
+                <a:solidFill>
+                  <a:srgbClr val="545454"/>
+                </a:solidFill>
+                <a:latin typeface="DM Sans"/>
+              </a:rPr>
+              <a:t>dirasa</a:t>
+            </a:r>
+            <a:r>
+              <a:rPr lang="en-US" sz="2000" dirty="0">
+                <a:solidFill>
+                  <a:srgbClr val="545454"/>
+                </a:solidFill>
+                <a:latin typeface="DM Sans"/>
+              </a:rPr>
+              <a:t> </a:t>
+            </a:r>
+            <a:r>
+              <a:rPr lang="en-US" sz="2000" dirty="0" err="1">
+                <a:solidFill>
+                  <a:srgbClr val="545454"/>
+                </a:solidFill>
+                <a:latin typeface="DM Sans"/>
+              </a:rPr>
+              <a:t>sudah</a:t>
+            </a:r>
+            <a:r>
+              <a:rPr lang="en-US" sz="2000" dirty="0">
+                <a:solidFill>
+                  <a:srgbClr val="545454"/>
+                </a:solidFill>
+                <a:latin typeface="DM Sans"/>
+              </a:rPr>
+              <a:t> </a:t>
+            </a:r>
+            <a:r>
+              <a:rPr lang="en-US" sz="2000" dirty="0" err="1">
+                <a:solidFill>
+                  <a:srgbClr val="545454"/>
+                </a:solidFill>
+                <a:latin typeface="DM Sans"/>
+              </a:rPr>
+              <a:t>sesuai</a:t>
+            </a:r>
+            <a:r>
+              <a:rPr lang="en-US" sz="2000" dirty="0">
+                <a:solidFill>
+                  <a:srgbClr val="545454"/>
+                </a:solidFill>
+                <a:latin typeface="DM Sans"/>
+              </a:rPr>
+              <a:t>.</a:t>
+            </a:r>
+          </a:p>
+        </p:txBody>
+      </p:sp>
+      <p:sp>
+        <p:nvSpPr>
+          <p:cNvPr id="76" name="TextBox 45">
+            <a:extLst>
+              <a:ext uri="{FF2B5EF4-FFF2-40B4-BE49-F238E27FC236}">
+                <a16:creationId xmlns:a16="http://schemas.microsoft.com/office/drawing/2014/main" id="{19F2ED60-BCAB-CD06-039D-93AB45F45121}"/>
+              </a:ext>
+            </a:extLst>
+          </p:cNvPr>
+          <p:cNvSpPr txBox="1"/>
+          <p:nvPr/>
+        </p:nvSpPr>
+        <p:spPr>
+          <a:xfrm>
+            <a:off x="593344" y="860820"/>
             <a:ext cx="2042322" cy="365760"/>
           </a:xfrm>
           <a:prstGeom prst="rect">
@@ -10584,51 +12151,13 @@
               </a:lnSpc>
             </a:pPr>
             <a:r>
-              <a:rPr lang="en-US" sz="2100" spc="67">
+              <a:rPr lang="en-US" sz="2100" spc="67" dirty="0">
                 <a:solidFill>
                   <a:srgbClr val="545454"/>
                 </a:solidFill>
                 <a:latin typeface="DM Sans Bold"/>
               </a:rPr>
-              <a:t>F. Scaling</a:t>
-            </a:r>
-          </a:p>
-        </p:txBody>
-      </p:sp>
-      <p:sp>
-        <p:nvSpPr>
-          <p:cNvPr id="71" name="TextBox 71"/>
-          <p:cNvSpPr txBox="1"/>
-          <p:nvPr/>
-        </p:nvSpPr>
-        <p:spPr>
-          <a:xfrm>
-            <a:off x="15294837" y="1594627"/>
-            <a:ext cx="2664961" cy="2752725"/>
-          </a:xfrm>
-          <a:prstGeom prst="rect">
-            <a:avLst/>
-          </a:prstGeom>
-        </p:spPr>
-        <p:txBody>
-          <a:bodyPr lIns="0" tIns="0" rIns="0" bIns="0" rtlCol="0" anchor="t">
-            <a:spAutoFit/>
-          </a:bodyPr>
-          <a:lstStyle/>
-          <a:p>
-            <a:pPr algn="ctr">
-              <a:lnSpc>
-                <a:spcPts val="2400"/>
-              </a:lnSpc>
-            </a:pPr>
-            <a:r>
-              <a:rPr lang="en-US" sz="2000">
-                <a:solidFill>
-                  <a:srgbClr val="545454"/>
-                </a:solidFill>
-                <a:latin typeface="DM Sans"/>
-              </a:rPr>
-              <a:t>Ubah skala nilai data train dan data test dengan menggunakan MinMaxScaler() /normalisasi agar semua nilai lebih sederhana pada rentang nilai yang sama.</a:t>
+              <a:t>EDA</a:t>
             </a:r>
           </a:p>
         </p:txBody>
@@ -13687,98 +15216,6 @@
       </p:grpSp>
       <p:sp>
         <p:nvSpPr>
-          <p:cNvPr id="42" name="Freeform 42"/>
-          <p:cNvSpPr/>
-          <p:nvPr/>
-        </p:nvSpPr>
-        <p:spPr>
-          <a:xfrm>
-            <a:off x="1028700" y="2300231"/>
-            <a:ext cx="7634957" cy="3358982"/>
-          </a:xfrm>
-          <a:custGeom>
-            <a:avLst/>
-            <a:gdLst/>
-            <a:ahLst/>
-            <a:cxnLst/>
-            <a:rect l="l" t="t" r="r" b="b"/>
-            <a:pathLst>
-              <a:path w="7634957" h="3358982">
-                <a:moveTo>
-                  <a:pt x="0" y="0"/>
-                </a:moveTo>
-                <a:lnTo>
-                  <a:pt x="7634957" y="0"/>
-                </a:lnTo>
-                <a:lnTo>
-                  <a:pt x="7634957" y="3358983"/>
-                </a:lnTo>
-                <a:lnTo>
-                  <a:pt x="0" y="3358983"/>
-                </a:lnTo>
-                <a:lnTo>
-                  <a:pt x="0" y="0"/>
-                </a:lnTo>
-                <a:close/>
-              </a:path>
-            </a:pathLst>
-          </a:custGeom>
-          <a:blipFill>
-            <a:blip r:embed="rId10"/>
-            <a:stretch>
-              <a:fillRect/>
-            </a:stretch>
-          </a:blipFill>
-        </p:spPr>
-      </p:sp>
-      <p:sp>
-        <p:nvSpPr>
-          <p:cNvPr id="43" name="Freeform 43"/>
-          <p:cNvSpPr/>
-          <p:nvPr/>
-        </p:nvSpPr>
-        <p:spPr>
-          <a:xfrm>
-            <a:off x="1028700" y="5871968"/>
-            <a:ext cx="14055935" cy="3485259"/>
-          </a:xfrm>
-          <a:custGeom>
-            <a:avLst/>
-            <a:gdLst/>
-            <a:ahLst/>
-            <a:cxnLst/>
-            <a:rect l="l" t="t" r="r" b="b"/>
-            <a:pathLst>
-              <a:path w="14055935" h="3485259">
-                <a:moveTo>
-                  <a:pt x="0" y="0"/>
-                </a:moveTo>
-                <a:lnTo>
-                  <a:pt x="14055935" y="0"/>
-                </a:lnTo>
-                <a:lnTo>
-                  <a:pt x="14055935" y="3485259"/>
-                </a:lnTo>
-                <a:lnTo>
-                  <a:pt x="0" y="3485259"/>
-                </a:lnTo>
-                <a:lnTo>
-                  <a:pt x="0" y="0"/>
-                </a:lnTo>
-                <a:close/>
-              </a:path>
-            </a:pathLst>
-          </a:custGeom>
-          <a:blipFill>
-            <a:blip r:embed="rId11"/>
-            <a:stretch>
-              <a:fillRect/>
-            </a:stretch>
-          </a:blipFill>
-        </p:spPr>
-      </p:sp>
-      <p:sp>
-        <p:nvSpPr>
           <p:cNvPr id="44" name="TextBox 44"/>
           <p:cNvSpPr txBox="1"/>
           <p:nvPr/>
@@ -13815,6 +15252,96 @@
           </a:p>
         </p:txBody>
       </p:sp>
+      <p:pic>
+        <p:nvPicPr>
+          <p:cNvPr id="46" name="Picture 45">
+            <a:extLst>
+              <a:ext uri="{FF2B5EF4-FFF2-40B4-BE49-F238E27FC236}">
+                <a16:creationId xmlns:a16="http://schemas.microsoft.com/office/drawing/2014/main" id="{09173759-36D7-374B-5A67-34D38E56E164}"/>
+              </a:ext>
+            </a:extLst>
+          </p:cNvPr>
+          <p:cNvPicPr>
+            <a:picLocks noChangeAspect="1"/>
+          </p:cNvPicPr>
+          <p:nvPr/>
+        </p:nvPicPr>
+        <p:blipFill>
+          <a:blip r:embed="rId10"/>
+          <a:stretch>
+            <a:fillRect/>
+          </a:stretch>
+        </p:blipFill>
+        <p:spPr>
+          <a:xfrm>
+            <a:off x="1258118" y="6792050"/>
+            <a:ext cx="14743822" cy="1985812"/>
+          </a:xfrm>
+          <a:prstGeom prst="rect">
+            <a:avLst/>
+          </a:prstGeom>
+        </p:spPr>
+      </p:pic>
+      <p:pic>
+        <p:nvPicPr>
+          <p:cNvPr id="48" name="Picture 47">
+            <a:extLst>
+              <a:ext uri="{FF2B5EF4-FFF2-40B4-BE49-F238E27FC236}">
+                <a16:creationId xmlns:a16="http://schemas.microsoft.com/office/drawing/2014/main" id="{10D0867C-5C39-981E-61E6-E03A29650BEB}"/>
+              </a:ext>
+            </a:extLst>
+          </p:cNvPr>
+          <p:cNvPicPr>
+            <a:picLocks noChangeAspect="1"/>
+          </p:cNvPicPr>
+          <p:nvPr/>
+        </p:nvPicPr>
+        <p:blipFill>
+          <a:blip r:embed="rId11"/>
+          <a:stretch>
+            <a:fillRect/>
+          </a:stretch>
+        </p:blipFill>
+        <p:spPr>
+          <a:xfrm>
+            <a:off x="9238252" y="2235727"/>
+            <a:ext cx="5185216" cy="4264603"/>
+          </a:xfrm>
+          <a:prstGeom prst="rect">
+            <a:avLst/>
+          </a:prstGeom>
+        </p:spPr>
+      </p:pic>
+      <p:pic>
+        <p:nvPicPr>
+          <p:cNvPr id="50" name="Picture 49">
+            <a:extLst>
+              <a:ext uri="{FF2B5EF4-FFF2-40B4-BE49-F238E27FC236}">
+                <a16:creationId xmlns:a16="http://schemas.microsoft.com/office/drawing/2014/main" id="{ECD52FB4-283F-6352-1F4F-FA5FEB94C0FB}"/>
+              </a:ext>
+            </a:extLst>
+          </p:cNvPr>
+          <p:cNvPicPr>
+            <a:picLocks noChangeAspect="1"/>
+          </p:cNvPicPr>
+          <p:nvPr/>
+        </p:nvPicPr>
+        <p:blipFill>
+          <a:blip r:embed="rId12"/>
+          <a:stretch>
+            <a:fillRect/>
+          </a:stretch>
+        </p:blipFill>
+        <p:spPr>
+          <a:xfrm>
+            <a:off x="1258118" y="2258672"/>
+            <a:ext cx="7751899" cy="3227137"/>
+          </a:xfrm>
+          <a:prstGeom prst="rect">
+            <a:avLst/>
+          </a:prstGeom>
+        </p:spPr>
+      </p:pic>
     </p:spTree>
   </p:cSld>
   <p:clrMapOvr>
@@ -15406,98 +16933,6 @@
       </p:grpSp>
       <p:sp>
         <p:nvSpPr>
-          <p:cNvPr id="41" name="Freeform 41"/>
-          <p:cNvSpPr/>
-          <p:nvPr/>
-        </p:nvSpPr>
-        <p:spPr>
-          <a:xfrm>
-            <a:off x="1028700" y="2300231"/>
-            <a:ext cx="7200891" cy="3286374"/>
-          </a:xfrm>
-          <a:custGeom>
-            <a:avLst/>
-            <a:gdLst/>
-            <a:ahLst/>
-            <a:cxnLst/>
-            <a:rect l="l" t="t" r="r" b="b"/>
-            <a:pathLst>
-              <a:path w="7200891" h="3286374">
-                <a:moveTo>
-                  <a:pt x="0" y="0"/>
-                </a:moveTo>
-                <a:lnTo>
-                  <a:pt x="7200891" y="0"/>
-                </a:lnTo>
-                <a:lnTo>
-                  <a:pt x="7200891" y="3286374"/>
-                </a:lnTo>
-                <a:lnTo>
-                  <a:pt x="0" y="3286374"/>
-                </a:lnTo>
-                <a:lnTo>
-                  <a:pt x="0" y="0"/>
-                </a:lnTo>
-                <a:close/>
-              </a:path>
-            </a:pathLst>
-          </a:custGeom>
-          <a:blipFill>
-            <a:blip r:embed="rId10"/>
-            <a:stretch>
-              <a:fillRect/>
-            </a:stretch>
-          </a:blipFill>
-        </p:spPr>
-      </p:sp>
-      <p:sp>
-        <p:nvSpPr>
-          <p:cNvPr id="42" name="Freeform 42"/>
-          <p:cNvSpPr/>
-          <p:nvPr/>
-        </p:nvSpPr>
-        <p:spPr>
-          <a:xfrm>
-            <a:off x="1028700" y="5796155"/>
-            <a:ext cx="13523696" cy="4035203"/>
-          </a:xfrm>
-          <a:custGeom>
-            <a:avLst/>
-            <a:gdLst/>
-            <a:ahLst/>
-            <a:cxnLst/>
-            <a:rect l="l" t="t" r="r" b="b"/>
-            <a:pathLst>
-              <a:path w="13523696" h="4035203">
-                <a:moveTo>
-                  <a:pt x="0" y="0"/>
-                </a:moveTo>
-                <a:lnTo>
-                  <a:pt x="13523696" y="0"/>
-                </a:lnTo>
-                <a:lnTo>
-                  <a:pt x="13523696" y="4035203"/>
-                </a:lnTo>
-                <a:lnTo>
-                  <a:pt x="0" y="4035203"/>
-                </a:lnTo>
-                <a:lnTo>
-                  <a:pt x="0" y="0"/>
-                </a:lnTo>
-                <a:close/>
-              </a:path>
-            </a:pathLst>
-          </a:custGeom>
-          <a:blipFill>
-            <a:blip r:embed="rId11"/>
-            <a:stretch>
-              <a:fillRect/>
-            </a:stretch>
-          </a:blipFill>
-        </p:spPr>
-      </p:sp>
-      <p:sp>
-        <p:nvSpPr>
           <p:cNvPr id="43" name="TextBox 43"/>
           <p:cNvSpPr txBox="1"/>
           <p:nvPr/>
@@ -15572,6 +17007,96 @@
           </a:p>
         </p:txBody>
       </p:sp>
+      <p:pic>
+        <p:nvPicPr>
+          <p:cNvPr id="45" name="Picture 44">
+            <a:extLst>
+              <a:ext uri="{FF2B5EF4-FFF2-40B4-BE49-F238E27FC236}">
+                <a16:creationId xmlns:a16="http://schemas.microsoft.com/office/drawing/2014/main" id="{7C398711-60C1-CC76-EA25-9AFCF836F4E0}"/>
+              </a:ext>
+            </a:extLst>
+          </p:cNvPr>
+          <p:cNvPicPr>
+            <a:picLocks noChangeAspect="1"/>
+          </p:cNvPicPr>
+          <p:nvPr/>
+        </p:nvPicPr>
+        <p:blipFill>
+          <a:blip r:embed="rId10"/>
+          <a:stretch>
+            <a:fillRect/>
+          </a:stretch>
+        </p:blipFill>
+        <p:spPr>
+          <a:xfrm>
+            <a:off x="1339718" y="7209607"/>
+            <a:ext cx="14172854" cy="2019989"/>
+          </a:xfrm>
+          <a:prstGeom prst="rect">
+            <a:avLst/>
+          </a:prstGeom>
+        </p:spPr>
+      </p:pic>
+      <p:pic>
+        <p:nvPicPr>
+          <p:cNvPr id="47" name="Picture 46">
+            <a:extLst>
+              <a:ext uri="{FF2B5EF4-FFF2-40B4-BE49-F238E27FC236}">
+                <a16:creationId xmlns:a16="http://schemas.microsoft.com/office/drawing/2014/main" id="{D19AABD3-6255-0B87-82F7-5C4F47F9ED7A}"/>
+              </a:ext>
+            </a:extLst>
+          </p:cNvPr>
+          <p:cNvPicPr>
+            <a:picLocks noChangeAspect="1"/>
+          </p:cNvPicPr>
+          <p:nvPr/>
+        </p:nvPicPr>
+        <p:blipFill>
+          <a:blip r:embed="rId11"/>
+          <a:stretch>
+            <a:fillRect/>
+          </a:stretch>
+        </p:blipFill>
+        <p:spPr>
+          <a:xfrm>
+            <a:off x="1365485" y="2200970"/>
+            <a:ext cx="6611273" cy="4744112"/>
+          </a:xfrm>
+          <a:prstGeom prst="rect">
+            <a:avLst/>
+          </a:prstGeom>
+        </p:spPr>
+      </p:pic>
+      <p:pic>
+        <p:nvPicPr>
+          <p:cNvPr id="49" name="Picture 48">
+            <a:extLst>
+              <a:ext uri="{FF2B5EF4-FFF2-40B4-BE49-F238E27FC236}">
+                <a16:creationId xmlns:a16="http://schemas.microsoft.com/office/drawing/2014/main" id="{0D478EC8-2E28-624E-C7F7-E652E6F4DC7F}"/>
+              </a:ext>
+            </a:extLst>
+          </p:cNvPr>
+          <p:cNvPicPr>
+            <a:picLocks noChangeAspect="1"/>
+          </p:cNvPicPr>
+          <p:nvPr/>
+        </p:nvPicPr>
+        <p:blipFill>
+          <a:blip r:embed="rId12"/>
+          <a:stretch>
+            <a:fillRect/>
+          </a:stretch>
+        </p:blipFill>
+        <p:spPr>
+          <a:xfrm>
+            <a:off x="8441335" y="2199890"/>
+            <a:ext cx="5795023" cy="4744112"/>
+          </a:xfrm>
+          <a:prstGeom prst="rect">
+            <a:avLst/>
+          </a:prstGeom>
+        </p:spPr>
+      </p:pic>
     </p:spTree>
   </p:cSld>
   <p:clrMapOvr>
@@ -17163,98 +18688,6 @@
       </p:grpSp>
       <p:sp>
         <p:nvSpPr>
-          <p:cNvPr id="41" name="Freeform 41"/>
-          <p:cNvSpPr/>
-          <p:nvPr/>
-        </p:nvSpPr>
-        <p:spPr>
-          <a:xfrm>
-            <a:off x="1339718" y="2305842"/>
-            <a:ext cx="8688796" cy="5968565"/>
-          </a:xfrm>
-          <a:custGeom>
-            <a:avLst/>
-            <a:gdLst/>
-            <a:ahLst/>
-            <a:cxnLst/>
-            <a:rect l="l" t="t" r="r" b="b"/>
-            <a:pathLst>
-              <a:path w="8688796" h="5968565">
-                <a:moveTo>
-                  <a:pt x="0" y="0"/>
-                </a:moveTo>
-                <a:lnTo>
-                  <a:pt x="8688796" y="0"/>
-                </a:lnTo>
-                <a:lnTo>
-                  <a:pt x="8688796" y="5968565"/>
-                </a:lnTo>
-                <a:lnTo>
-                  <a:pt x="0" y="5968565"/>
-                </a:lnTo>
-                <a:lnTo>
-                  <a:pt x="0" y="0"/>
-                </a:lnTo>
-                <a:close/>
-              </a:path>
-            </a:pathLst>
-          </a:custGeom>
-          <a:blipFill>
-            <a:blip r:embed="rId10"/>
-            <a:stretch>
-              <a:fillRect/>
-            </a:stretch>
-          </a:blipFill>
-        </p:spPr>
-      </p:sp>
-      <p:sp>
-        <p:nvSpPr>
-          <p:cNvPr id="42" name="Freeform 42"/>
-          <p:cNvSpPr/>
-          <p:nvPr/>
-        </p:nvSpPr>
-        <p:spPr>
-          <a:xfrm>
-            <a:off x="10058892" y="2305842"/>
-            <a:ext cx="7543336" cy="4346160"/>
-          </a:xfrm>
-          <a:custGeom>
-            <a:avLst/>
-            <a:gdLst/>
-            <a:ahLst/>
-            <a:cxnLst/>
-            <a:rect l="l" t="t" r="r" b="b"/>
-            <a:pathLst>
-              <a:path w="7543336" h="4346160">
-                <a:moveTo>
-                  <a:pt x="0" y="0"/>
-                </a:moveTo>
-                <a:lnTo>
-                  <a:pt x="7543336" y="0"/>
-                </a:lnTo>
-                <a:lnTo>
-                  <a:pt x="7543336" y="4346160"/>
-                </a:lnTo>
-                <a:lnTo>
-                  <a:pt x="0" y="4346160"/>
-                </a:lnTo>
-                <a:lnTo>
-                  <a:pt x="0" y="0"/>
-                </a:lnTo>
-                <a:close/>
-              </a:path>
-            </a:pathLst>
-          </a:custGeom>
-          <a:blipFill>
-            <a:blip r:embed="rId11"/>
-            <a:stretch>
-              <a:fillRect/>
-            </a:stretch>
-          </a:blipFill>
-        </p:spPr>
-      </p:sp>
-      <p:sp>
-        <p:nvSpPr>
           <p:cNvPr id="43" name="TextBox 43"/>
           <p:cNvSpPr txBox="1"/>
           <p:nvPr/>
@@ -17329,6 +18762,96 @@
           </a:p>
         </p:txBody>
       </p:sp>
+      <p:pic>
+        <p:nvPicPr>
+          <p:cNvPr id="48" name="Picture 47">
+            <a:extLst>
+              <a:ext uri="{FF2B5EF4-FFF2-40B4-BE49-F238E27FC236}">
+                <a16:creationId xmlns:a16="http://schemas.microsoft.com/office/drawing/2014/main" id="{9F8CC53E-78BE-54D1-0A83-03018139F6A2}"/>
+              </a:ext>
+            </a:extLst>
+          </p:cNvPr>
+          <p:cNvPicPr>
+            <a:picLocks noChangeAspect="1"/>
+          </p:cNvPicPr>
+          <p:nvPr/>
+        </p:nvPicPr>
+        <p:blipFill>
+          <a:blip r:embed="rId10"/>
+          <a:stretch>
+            <a:fillRect/>
+          </a:stretch>
+        </p:blipFill>
+        <p:spPr>
+          <a:xfrm>
+            <a:off x="1365485" y="2349570"/>
+            <a:ext cx="8406169" cy="3501554"/>
+          </a:xfrm>
+          <a:prstGeom prst="rect">
+            <a:avLst/>
+          </a:prstGeom>
+        </p:spPr>
+      </p:pic>
+      <p:pic>
+        <p:nvPicPr>
+          <p:cNvPr id="50" name="Picture 49">
+            <a:extLst>
+              <a:ext uri="{FF2B5EF4-FFF2-40B4-BE49-F238E27FC236}">
+                <a16:creationId xmlns:a16="http://schemas.microsoft.com/office/drawing/2014/main" id="{07FFB13A-876D-C946-64CE-061FC7A9F457}"/>
+              </a:ext>
+            </a:extLst>
+          </p:cNvPr>
+          <p:cNvPicPr>
+            <a:picLocks noChangeAspect="1"/>
+          </p:cNvPicPr>
+          <p:nvPr/>
+        </p:nvPicPr>
+        <p:blipFill>
+          <a:blip r:embed="rId11"/>
+          <a:stretch>
+            <a:fillRect/>
+          </a:stretch>
+        </p:blipFill>
+        <p:spPr>
+          <a:xfrm>
+            <a:off x="10127346" y="2340828"/>
+            <a:ext cx="4938589" cy="3991033"/>
+          </a:xfrm>
+          <a:prstGeom prst="rect">
+            <a:avLst/>
+          </a:prstGeom>
+        </p:spPr>
+      </p:pic>
+      <p:pic>
+        <p:nvPicPr>
+          <p:cNvPr id="52" name="Picture 51">
+            <a:extLst>
+              <a:ext uri="{FF2B5EF4-FFF2-40B4-BE49-F238E27FC236}">
+                <a16:creationId xmlns:a16="http://schemas.microsoft.com/office/drawing/2014/main" id="{95348710-4FA0-4BC8-6F9C-308865BB1CC5}"/>
+              </a:ext>
+            </a:extLst>
+          </p:cNvPr>
+          <p:cNvPicPr>
+            <a:picLocks noChangeAspect="1"/>
+          </p:cNvPicPr>
+          <p:nvPr/>
+        </p:nvPicPr>
+        <p:blipFill>
+          <a:blip r:embed="rId12"/>
+          <a:stretch>
+            <a:fillRect/>
+          </a:stretch>
+        </p:blipFill>
+        <p:spPr>
+          <a:xfrm>
+            <a:off x="1339718" y="6619374"/>
+            <a:ext cx="15223753" cy="2105042"/>
+          </a:xfrm>
+          <a:prstGeom prst="rect">
+            <a:avLst/>
+          </a:prstGeom>
+        </p:spPr>
+      </p:pic>
     </p:spTree>
   </p:cSld>
   <p:clrMapOvr>
@@ -18358,52 +19881,6 @@
             </a:r>
           </a:p>
         </p:txBody>
-      </p:sp>
-      <p:sp>
-        <p:nvSpPr>
-          <p:cNvPr id="26" name="Freeform 26"/>
-          <p:cNvSpPr/>
-          <p:nvPr/>
-        </p:nvSpPr>
-        <p:spPr>
-          <a:xfrm>
-            <a:off x="1028700" y="2197334"/>
-            <a:ext cx="11625416" cy="2240581"/>
-          </a:xfrm>
-          <a:custGeom>
-            <a:avLst/>
-            <a:gdLst/>
-            <a:ahLst/>
-            <a:cxnLst/>
-            <a:rect l="l" t="t" r="r" b="b"/>
-            <a:pathLst>
-              <a:path w="11625416" h="2240581">
-                <a:moveTo>
-                  <a:pt x="0" y="0"/>
-                </a:moveTo>
-                <a:lnTo>
-                  <a:pt x="11625416" y="0"/>
-                </a:lnTo>
-                <a:lnTo>
-                  <a:pt x="11625416" y="2240581"/>
-                </a:lnTo>
-                <a:lnTo>
-                  <a:pt x="0" y="2240581"/>
-                </a:lnTo>
-                <a:lnTo>
-                  <a:pt x="0" y="0"/>
-                </a:lnTo>
-                <a:close/>
-              </a:path>
-            </a:pathLst>
-          </a:custGeom>
-          <a:blipFill>
-            <a:blip r:embed="rId10"/>
-            <a:stretch>
-              <a:fillRect/>
-            </a:stretch>
-          </a:blipFill>
-        </p:spPr>
       </p:sp>
       <p:grpSp>
         <p:nvGrpSpPr>
@@ -18571,52 +20048,6 @@
       </p:grpSp>
       <p:sp>
         <p:nvSpPr>
-          <p:cNvPr id="32" name="Freeform 32"/>
-          <p:cNvSpPr/>
-          <p:nvPr/>
-        </p:nvSpPr>
-        <p:spPr>
-          <a:xfrm>
-            <a:off x="2980086" y="4596061"/>
-            <a:ext cx="14279214" cy="4662239"/>
-          </a:xfrm>
-          <a:custGeom>
-            <a:avLst/>
-            <a:gdLst/>
-            <a:ahLst/>
-            <a:cxnLst/>
-            <a:rect l="l" t="t" r="r" b="b"/>
-            <a:pathLst>
-              <a:path w="14279214" h="4662239">
-                <a:moveTo>
-                  <a:pt x="0" y="0"/>
-                </a:moveTo>
-                <a:lnTo>
-                  <a:pt x="14279214" y="0"/>
-                </a:lnTo>
-                <a:lnTo>
-                  <a:pt x="14279214" y="4662239"/>
-                </a:lnTo>
-                <a:lnTo>
-                  <a:pt x="0" y="4662239"/>
-                </a:lnTo>
-                <a:lnTo>
-                  <a:pt x="0" y="0"/>
-                </a:lnTo>
-                <a:close/>
-              </a:path>
-            </a:pathLst>
-          </a:custGeom>
-          <a:blipFill>
-            <a:blip r:embed="rId11"/>
-            <a:stretch>
-              <a:fillRect/>
-            </a:stretch>
-          </a:blipFill>
-        </p:spPr>
-      </p:sp>
-      <p:sp>
-        <p:nvSpPr>
           <p:cNvPr id="33" name="TextBox 33"/>
           <p:cNvSpPr txBox="1"/>
           <p:nvPr/>
@@ -18653,6 +20084,66 @@
           </a:p>
         </p:txBody>
       </p:sp>
+      <p:pic>
+        <p:nvPicPr>
+          <p:cNvPr id="37" name="Picture 36">
+            <a:extLst>
+              <a:ext uri="{FF2B5EF4-FFF2-40B4-BE49-F238E27FC236}">
+                <a16:creationId xmlns:a16="http://schemas.microsoft.com/office/drawing/2014/main" id="{A18F56C2-E2C9-9903-439C-7E9BB8FD0976}"/>
+              </a:ext>
+            </a:extLst>
+          </p:cNvPr>
+          <p:cNvPicPr>
+            <a:picLocks noChangeAspect="1"/>
+          </p:cNvPicPr>
+          <p:nvPr/>
+        </p:nvPicPr>
+        <p:blipFill>
+          <a:blip r:embed="rId10"/>
+          <a:stretch>
+            <a:fillRect/>
+          </a:stretch>
+        </p:blipFill>
+        <p:spPr>
+          <a:xfrm>
+            <a:off x="1028699" y="2316840"/>
+            <a:ext cx="13612743" cy="2319660"/>
+          </a:xfrm>
+          <a:prstGeom prst="rect">
+            <a:avLst/>
+          </a:prstGeom>
+        </p:spPr>
+      </p:pic>
+      <p:pic>
+        <p:nvPicPr>
+          <p:cNvPr id="39" name="Picture 38">
+            <a:extLst>
+              <a:ext uri="{FF2B5EF4-FFF2-40B4-BE49-F238E27FC236}">
+                <a16:creationId xmlns:a16="http://schemas.microsoft.com/office/drawing/2014/main" id="{38DA8015-52BD-6C17-C635-AD7A0FEB8C97}"/>
+              </a:ext>
+            </a:extLst>
+          </p:cNvPr>
+          <p:cNvPicPr>
+            <a:picLocks noChangeAspect="1"/>
+          </p:cNvPicPr>
+          <p:nvPr/>
+        </p:nvPicPr>
+        <p:blipFill>
+          <a:blip r:embed="rId11"/>
+          <a:stretch>
+            <a:fillRect/>
+          </a:stretch>
+        </p:blipFill>
+        <p:spPr>
+          <a:xfrm>
+            <a:off x="6001956" y="5026478"/>
+            <a:ext cx="8639486" cy="2693400"/>
+          </a:xfrm>
+          <a:prstGeom prst="rect">
+            <a:avLst/>
+          </a:prstGeom>
+        </p:spPr>
+      </p:pic>
     </p:spTree>
   </p:cSld>
   <p:clrMapOvr>
